--- a/java/java-logic/Slide-Java-Logic-04.pptx
+++ b/java/java-logic/Slide-Java-Logic-04.pptx
@@ -5,7 +5,7 @@
     <p:sldMasterId id="2147483657" r:id="rId1"/>
   </p:sldMasterIdLst>
   <p:notesMasterIdLst>
-    <p:notesMasterId r:id="rId47"/>
+    <p:notesMasterId r:id="rId50"/>
   </p:notesMasterIdLst>
   <p:sldIdLst>
     <p:sldId id="256" r:id="rId2"/>
@@ -46,37 +46,40 @@
     <p:sldId id="394" r:id="rId37"/>
     <p:sldId id="393" r:id="rId38"/>
     <p:sldId id="391" r:id="rId39"/>
-    <p:sldId id="358" r:id="rId40"/>
-    <p:sldId id="359" r:id="rId41"/>
-    <p:sldId id="360" r:id="rId42"/>
-    <p:sldId id="361" r:id="rId43"/>
-    <p:sldId id="340" r:id="rId44"/>
-    <p:sldId id="337" r:id="rId45"/>
-    <p:sldId id="336" r:id="rId46"/>
+    <p:sldId id="396" r:id="rId40"/>
+    <p:sldId id="395" r:id="rId41"/>
+    <p:sldId id="397" r:id="rId42"/>
+    <p:sldId id="358" r:id="rId43"/>
+    <p:sldId id="398" r:id="rId44"/>
+    <p:sldId id="399" r:id="rId45"/>
+    <p:sldId id="400" r:id="rId46"/>
+    <p:sldId id="340" r:id="rId47"/>
+    <p:sldId id="337" r:id="rId48"/>
+    <p:sldId id="336" r:id="rId49"/>
   </p:sldIdLst>
   <p:sldSz cx="9144000" cy="5143500" type="screen16x9"/>
   <p:notesSz cx="6858000" cy="9144000"/>
   <p:embeddedFontLst>
     <p:embeddedFont>
       <p:font typeface="Arvo" panose="020B0604020202020204" charset="0"/>
-      <p:regular r:id="rId48"/>
-      <p:bold r:id="rId49"/>
-      <p:italic r:id="rId50"/>
-      <p:boldItalic r:id="rId51"/>
+      <p:regular r:id="rId51"/>
+      <p:bold r:id="rId52"/>
+      <p:italic r:id="rId53"/>
+      <p:boldItalic r:id="rId54"/>
     </p:embeddedFont>
     <p:embeddedFont>
       <p:font typeface="Roboto Condensed" panose="020B0604020202020204" charset="0"/>
-      <p:regular r:id="rId52"/>
-      <p:bold r:id="rId53"/>
-      <p:italic r:id="rId54"/>
-      <p:boldItalic r:id="rId55"/>
+      <p:regular r:id="rId55"/>
+      <p:bold r:id="rId56"/>
+      <p:italic r:id="rId57"/>
+      <p:boldItalic r:id="rId58"/>
     </p:embeddedFont>
     <p:embeddedFont>
       <p:font typeface="Roboto Condensed Light" panose="020B0604020202020204" charset="0"/>
-      <p:regular r:id="rId56"/>
-      <p:bold r:id="rId57"/>
-      <p:italic r:id="rId58"/>
-      <p:boldItalic r:id="rId59"/>
+      <p:regular r:id="rId59"/>
+      <p:bold r:id="rId60"/>
+      <p:italic r:id="rId61"/>
+      <p:boldItalic r:id="rId62"/>
     </p:embeddedFont>
   </p:embeddedFontLst>
   <p:defaultTextStyle>
@@ -383,10 +386,17 @@
             <p14:sldId id="394"/>
             <p14:sldId id="393"/>
             <p14:sldId id="391"/>
+            <p14:sldId id="396"/>
+            <p14:sldId id="395"/>
+            <p14:sldId id="397"/>
+          </p14:sldIdLst>
+        </p14:section>
+        <p14:section name="differences between throw and throws" id="{071516D4-05FC-4635-8251-D66CA68CFDB4}">
+          <p14:sldIdLst>
             <p14:sldId id="358"/>
-            <p14:sldId id="359"/>
-            <p14:sldId id="360"/>
-            <p14:sldId id="361"/>
+            <p14:sldId id="398"/>
+            <p14:sldId id="399"/>
+            <p14:sldId id="400"/>
             <p14:sldId id="340"/>
             <p14:sldId id="337"/>
             <p14:sldId id="336"/>
@@ -1509,1189 +1519,6 @@
         </p:txBody>
       </p:sp>
     </p:spTree>
-  </p:cSld>
-  <p:clrMapOvr>
-    <a:masterClrMapping/>
-  </p:clrMapOvr>
-</p:sldLayout>
-</file>
-
-<file path=ppt/slideLayouts/slideLayout10.xml><?xml version="1.0" encoding="utf-8"?>
-<p:sldLayout xmlns:a="http://schemas.openxmlformats.org/drawingml/2006/main" xmlns:r="http://schemas.openxmlformats.org/officeDocument/2006/relationships" xmlns:p="http://schemas.openxmlformats.org/presentationml/2006/main" matchingName="Blank" preserve="1" userDrawn="1">
-  <p:cSld name="1_Blank">
-    <p:spTree>
-      <p:nvGrpSpPr>
-        <p:cNvPr id="1" name="Shape 162"/>
-        <p:cNvGrpSpPr/>
-        <p:nvPr/>
-      </p:nvGrpSpPr>
-      <p:grpSpPr>
-        <a:xfrm>
-          <a:off x="0" y="0"/>
-          <a:ext cx="0" cy="0"/>
-          <a:chOff x="0" y="0"/>
-          <a:chExt cx="0" cy="0"/>
-        </a:xfrm>
-      </p:grpSpPr>
-      <p:sp>
-        <p:nvSpPr>
-          <p:cNvPr id="163" name="Google Shape;163;p10"/>
-          <p:cNvSpPr txBox="1">
-            <a:spLocks noGrp="1"/>
-          </p:cNvSpPr>
-          <p:nvPr>
-            <p:ph type="sldNum" idx="12"/>
-          </p:nvPr>
-        </p:nvSpPr>
-        <p:spPr>
-          <a:xfrm>
-            <a:off x="7618000" y="4636500"/>
-            <a:ext cx="1487400" cy="315600"/>
-          </a:xfrm>
-          <a:prstGeom prst="rect">
-            <a:avLst/>
-          </a:prstGeom>
-        </p:spPr>
-        <p:txBody>
-          <a:bodyPr spcFirstLastPara="1" wrap="square" lIns="91425" tIns="91425" rIns="91425" bIns="91425" anchor="ctr" anchorCtr="0">
-            <a:noAutofit/>
-          </a:bodyPr>
-          <a:lstStyle>
-            <a:lvl1pPr lvl="0">
-              <a:buNone/>
-              <a:defRPr/>
-            </a:lvl1pPr>
-            <a:lvl2pPr lvl="1">
-              <a:buNone/>
-              <a:defRPr/>
-            </a:lvl2pPr>
-            <a:lvl3pPr lvl="2">
-              <a:buNone/>
-              <a:defRPr/>
-            </a:lvl3pPr>
-            <a:lvl4pPr lvl="3">
-              <a:buNone/>
-              <a:defRPr/>
-            </a:lvl4pPr>
-            <a:lvl5pPr lvl="4">
-              <a:buNone/>
-              <a:defRPr/>
-            </a:lvl5pPr>
-            <a:lvl6pPr lvl="5">
-              <a:buNone/>
-              <a:defRPr/>
-            </a:lvl6pPr>
-            <a:lvl7pPr lvl="6">
-              <a:buNone/>
-              <a:defRPr/>
-            </a:lvl7pPr>
-            <a:lvl8pPr lvl="7">
-              <a:buNone/>
-              <a:defRPr/>
-            </a:lvl8pPr>
-            <a:lvl9pPr lvl="8">
-              <a:buNone/>
-              <a:defRPr/>
-            </a:lvl9pPr>
-          </a:lstStyle>
-          <a:p>
-            <a:pPr marL="0" lvl="0" indent="0" algn="r" rtl="0">
-              <a:spcBef>
-                <a:spcPts val="0"/>
-              </a:spcBef>
-              <a:spcAft>
-                <a:spcPts val="0"/>
-              </a:spcAft>
-              <a:buNone/>
-            </a:pPr>
-            <a:fld id="{00000000-1234-1234-1234-123412341234}" type="slidenum">
-              <a:rPr lang="en"/>
-              <a:t>‹#›</a:t>
-            </a:fld>
-            <a:endParaRPr/>
-          </a:p>
-        </p:txBody>
-      </p:sp>
-      <p:grpSp>
-        <p:nvGrpSpPr>
-          <p:cNvPr id="164" name="Google Shape;164;p10"/>
-          <p:cNvGrpSpPr/>
-          <p:nvPr/>
-        </p:nvGrpSpPr>
-        <p:grpSpPr>
-          <a:xfrm>
-            <a:off x="6946842" y="4472723"/>
-            <a:ext cx="2202830" cy="670795"/>
-            <a:chOff x="5575242" y="4472723"/>
-            <a:chExt cx="2202830" cy="670795"/>
-          </a:xfrm>
-        </p:grpSpPr>
-        <p:sp>
-          <p:nvSpPr>
-            <p:cNvPr id="165" name="Google Shape;165;p10"/>
-            <p:cNvSpPr/>
-            <p:nvPr/>
-          </p:nvSpPr>
-          <p:spPr>
-            <a:xfrm rot="10800000">
-              <a:off x="5575242" y="4948334"/>
-              <a:ext cx="394200" cy="131400"/>
-            </a:xfrm>
-            <a:prstGeom prst="triangle">
-              <a:avLst>
-                <a:gd name="adj" fmla="val 32425"/>
-              </a:avLst>
-            </a:prstGeom>
-            <a:solidFill>
-              <a:srgbClr val="D26F00"/>
-            </a:solidFill>
-            <a:ln>
-              <a:noFill/>
-            </a:ln>
-          </p:spPr>
-          <p:txBody>
-            <a:bodyPr spcFirstLastPara="1" wrap="square" lIns="91425" tIns="91425" rIns="91425" bIns="91425" anchor="ctr" anchorCtr="0">
-              <a:noAutofit/>
-            </a:bodyPr>
-            <a:lstStyle/>
-            <a:p>
-              <a:pPr marL="0" lvl="0" indent="0" algn="l" rtl="0">
-                <a:spcBef>
-                  <a:spcPts val="0"/>
-                </a:spcBef>
-                <a:spcAft>
-                  <a:spcPts val="0"/>
-                </a:spcAft>
-                <a:buNone/>
-              </a:pPr>
-              <a:endParaRPr/>
-            </a:p>
-          </p:txBody>
-        </p:sp>
-        <p:grpSp>
-          <p:nvGrpSpPr>
-            <p:cNvPr id="166" name="Google Shape;166;p10"/>
-            <p:cNvGrpSpPr/>
-            <p:nvPr/>
-          </p:nvGrpSpPr>
-          <p:grpSpPr>
-            <a:xfrm flipH="1">
-              <a:off x="5734850" y="4472723"/>
-              <a:ext cx="2040837" cy="670795"/>
-              <a:chOff x="1297954" y="330075"/>
-              <a:chExt cx="5169293" cy="1699506"/>
-            </a:xfrm>
-          </p:grpSpPr>
-          <p:sp>
-            <p:nvSpPr>
-              <p:cNvPr id="167" name="Google Shape;167;p10"/>
-              <p:cNvSpPr/>
-              <p:nvPr/>
-            </p:nvSpPr>
-            <p:spPr>
-              <a:xfrm>
-                <a:off x="1297954" y="330081"/>
-                <a:ext cx="3476700" cy="1699500"/>
-              </a:xfrm>
-              <a:prstGeom prst="rect">
-                <a:avLst/>
-              </a:prstGeom>
-              <a:solidFill>
-                <a:srgbClr val="C7D3E6"/>
-              </a:solidFill>
-              <a:ln>
-                <a:noFill/>
-              </a:ln>
-            </p:spPr>
-            <p:txBody>
-              <a:bodyPr spcFirstLastPara="1" wrap="square" lIns="91425" tIns="91425" rIns="91425" bIns="91425" anchor="ctr" anchorCtr="0">
-                <a:noAutofit/>
-              </a:bodyPr>
-              <a:lstStyle/>
-              <a:p>
-                <a:pPr marL="0" lvl="0" indent="0" algn="l" rtl="0">
-                  <a:spcBef>
-                    <a:spcPts val="0"/>
-                  </a:spcBef>
-                  <a:spcAft>
-                    <a:spcPts val="0"/>
-                  </a:spcAft>
-                  <a:buNone/>
-                </a:pPr>
-                <a:endParaRPr/>
-              </a:p>
-            </p:txBody>
-          </p:sp>
-          <p:sp>
-            <p:nvSpPr>
-              <p:cNvPr id="168" name="Google Shape;168;p10"/>
-              <p:cNvSpPr/>
-              <p:nvPr/>
-            </p:nvSpPr>
-            <p:spPr>
-              <a:xfrm>
-                <a:off x="4767747" y="330075"/>
-                <a:ext cx="1699500" cy="1699500"/>
-              </a:xfrm>
-              <a:prstGeom prst="rtTriangle">
-                <a:avLst/>
-              </a:prstGeom>
-              <a:solidFill>
-                <a:srgbClr val="C7D3E6"/>
-              </a:solidFill>
-              <a:ln>
-                <a:noFill/>
-              </a:ln>
-            </p:spPr>
-            <p:txBody>
-              <a:bodyPr spcFirstLastPara="1" wrap="square" lIns="91425" tIns="91425" rIns="91425" bIns="91425" anchor="ctr" anchorCtr="0">
-                <a:noAutofit/>
-              </a:bodyPr>
-              <a:lstStyle/>
-              <a:p>
-                <a:pPr marL="0" lvl="0" indent="0" algn="l" rtl="0">
-                  <a:spcBef>
-                    <a:spcPts val="0"/>
-                  </a:spcBef>
-                  <a:spcAft>
-                    <a:spcPts val="0"/>
-                  </a:spcAft>
-                  <a:buNone/>
-                </a:pPr>
-                <a:endParaRPr/>
-              </a:p>
-            </p:txBody>
-          </p:sp>
-        </p:grpSp>
-        <p:grpSp>
-          <p:nvGrpSpPr>
-            <p:cNvPr id="169" name="Google Shape;169;p10"/>
-            <p:cNvGrpSpPr/>
-            <p:nvPr/>
-          </p:nvGrpSpPr>
-          <p:grpSpPr>
-            <a:xfrm flipH="1">
-              <a:off x="5578209" y="4646738"/>
-              <a:ext cx="2199863" cy="304563"/>
-              <a:chOff x="-5827153" y="330075"/>
-              <a:chExt cx="12276019" cy="1699569"/>
-            </a:xfrm>
-          </p:grpSpPr>
-          <p:sp>
-            <p:nvSpPr>
-              <p:cNvPr id="170" name="Google Shape;170;p10"/>
-              <p:cNvSpPr/>
-              <p:nvPr/>
-            </p:nvSpPr>
-            <p:spPr>
-              <a:xfrm>
-                <a:off x="-5827153" y="330144"/>
-                <a:ext cx="10612200" cy="1699500"/>
-              </a:xfrm>
-              <a:prstGeom prst="rect">
-                <a:avLst/>
-              </a:prstGeom>
-              <a:solidFill>
-                <a:srgbClr val="FF9800"/>
-              </a:solidFill>
-              <a:ln>
-                <a:noFill/>
-              </a:ln>
-            </p:spPr>
-            <p:txBody>
-              <a:bodyPr spcFirstLastPara="1" wrap="square" lIns="91425" tIns="91425" rIns="91425" bIns="91425" anchor="ctr" anchorCtr="0">
-                <a:noAutofit/>
-              </a:bodyPr>
-              <a:lstStyle/>
-              <a:p>
-                <a:pPr marL="0" lvl="0" indent="0" algn="l" rtl="0">
-                  <a:spcBef>
-                    <a:spcPts val="0"/>
-                  </a:spcBef>
-                  <a:spcAft>
-                    <a:spcPts val="0"/>
-                  </a:spcAft>
-                  <a:buNone/>
-                </a:pPr>
-                <a:endParaRPr/>
-              </a:p>
-            </p:txBody>
-          </p:sp>
-          <p:sp>
-            <p:nvSpPr>
-              <p:cNvPr id="171" name="Google Shape;171;p10"/>
-              <p:cNvSpPr/>
-              <p:nvPr/>
-            </p:nvSpPr>
-            <p:spPr>
-              <a:xfrm>
-                <a:off x="4749366" y="330075"/>
-                <a:ext cx="1699500" cy="1699500"/>
-              </a:xfrm>
-              <a:prstGeom prst="rtTriangle">
-                <a:avLst/>
-              </a:prstGeom>
-              <a:solidFill>
-                <a:srgbClr val="FF9800"/>
-              </a:solidFill>
-              <a:ln>
-                <a:noFill/>
-              </a:ln>
-            </p:spPr>
-            <p:txBody>
-              <a:bodyPr spcFirstLastPara="1" wrap="square" lIns="91425" tIns="91425" rIns="91425" bIns="91425" anchor="ctr" anchorCtr="0">
-                <a:noAutofit/>
-              </a:bodyPr>
-              <a:lstStyle/>
-              <a:p>
-                <a:pPr marL="0" lvl="0" indent="0" algn="l" rtl="0">
-                  <a:spcBef>
-                    <a:spcPts val="0"/>
-                  </a:spcBef>
-                  <a:spcAft>
-                    <a:spcPts val="0"/>
-                  </a:spcAft>
-                  <a:buNone/>
-                </a:pPr>
-                <a:endParaRPr/>
-              </a:p>
-            </p:txBody>
-          </p:sp>
-        </p:grpSp>
-      </p:grpSp>
-      <p:sp>
-        <p:nvSpPr>
-          <p:cNvPr id="19" name="Google Shape;79;p5">
-            <a:extLst>
-              <a:ext uri="{FF2B5EF4-FFF2-40B4-BE49-F238E27FC236}">
-                <a16:creationId xmlns:a16="http://schemas.microsoft.com/office/drawing/2014/main" id="{C158645B-7908-4698-B29A-BD4E402A9E17}"/>
-              </a:ext>
-            </a:extLst>
-          </p:cNvPr>
-          <p:cNvSpPr txBox="1">
-            <a:spLocks noGrp="1"/>
-          </p:cNvSpPr>
-          <p:nvPr>
-            <p:ph type="body" idx="1"/>
-          </p:nvPr>
-        </p:nvSpPr>
-        <p:spPr>
-          <a:xfrm>
-            <a:off x="458473" y="1634373"/>
-            <a:ext cx="3950162" cy="3012353"/>
-          </a:xfrm>
-          <a:prstGeom prst="rect">
-            <a:avLst/>
-          </a:prstGeom>
-        </p:spPr>
-        <p:txBody>
-          <a:bodyPr spcFirstLastPara="1" wrap="square" lIns="91425" tIns="91425" rIns="91425" bIns="91425" anchor="t" anchorCtr="0"/>
-          <a:lstStyle>
-            <a:lvl1pPr marL="457200" lvl="0" indent="-381000">
-              <a:spcBef>
-                <a:spcPts val="600"/>
-              </a:spcBef>
-              <a:spcAft>
-                <a:spcPts val="0"/>
-              </a:spcAft>
-              <a:buSzPts val="2400"/>
-              <a:buChar char="▰"/>
-              <a:defRPr sz="1400"/>
-            </a:lvl1pPr>
-            <a:lvl2pPr marL="914400" lvl="1" indent="-381000">
-              <a:spcBef>
-                <a:spcPts val="1000"/>
-              </a:spcBef>
-              <a:spcAft>
-                <a:spcPts val="0"/>
-              </a:spcAft>
-              <a:buSzPts val="2400"/>
-              <a:buChar char="▻"/>
-              <a:defRPr/>
-            </a:lvl2pPr>
-            <a:lvl3pPr marL="1371600" lvl="2" indent="-381000">
-              <a:spcBef>
-                <a:spcPts val="1000"/>
-              </a:spcBef>
-              <a:spcAft>
-                <a:spcPts val="0"/>
-              </a:spcAft>
-              <a:buSzPts val="2400"/>
-              <a:buChar char="▻"/>
-              <a:defRPr/>
-            </a:lvl3pPr>
-            <a:lvl4pPr marL="1828800" lvl="3" indent="-381000">
-              <a:spcBef>
-                <a:spcPts val="1000"/>
-              </a:spcBef>
-              <a:spcAft>
-                <a:spcPts val="0"/>
-              </a:spcAft>
-              <a:buSzPts val="2400"/>
-              <a:buChar char="▻"/>
-              <a:defRPr/>
-            </a:lvl4pPr>
-            <a:lvl5pPr marL="2286000" lvl="4" indent="-381000">
-              <a:spcBef>
-                <a:spcPts val="1000"/>
-              </a:spcBef>
-              <a:spcAft>
-                <a:spcPts val="0"/>
-              </a:spcAft>
-              <a:buSzPts val="2400"/>
-              <a:buChar char="▻"/>
-              <a:defRPr/>
-            </a:lvl5pPr>
-            <a:lvl6pPr marL="2743200" lvl="5" indent="-381000">
-              <a:spcBef>
-                <a:spcPts val="1000"/>
-              </a:spcBef>
-              <a:spcAft>
-                <a:spcPts val="0"/>
-              </a:spcAft>
-              <a:buSzPts val="2400"/>
-              <a:buChar char="▻"/>
-              <a:defRPr/>
-            </a:lvl6pPr>
-            <a:lvl7pPr marL="3200400" lvl="6" indent="-381000">
-              <a:spcBef>
-                <a:spcPts val="1000"/>
-              </a:spcBef>
-              <a:spcAft>
-                <a:spcPts val="0"/>
-              </a:spcAft>
-              <a:buSzPts val="2400"/>
-              <a:buChar char="▻"/>
-              <a:defRPr/>
-            </a:lvl7pPr>
-            <a:lvl8pPr marL="3657600" lvl="7" indent="-381000">
-              <a:spcBef>
-                <a:spcPts val="1000"/>
-              </a:spcBef>
-              <a:spcAft>
-                <a:spcPts val="0"/>
-              </a:spcAft>
-              <a:buSzPts val="2400"/>
-              <a:buChar char="▻"/>
-              <a:defRPr/>
-            </a:lvl8pPr>
-            <a:lvl9pPr marL="4114800" lvl="8" indent="-381000">
-              <a:spcBef>
-                <a:spcPts val="1000"/>
-              </a:spcBef>
-              <a:spcAft>
-                <a:spcPts val="1000"/>
-              </a:spcAft>
-              <a:buSzPts val="2400"/>
-              <a:buChar char="▻"/>
-              <a:defRPr/>
-            </a:lvl9pPr>
-          </a:lstStyle>
-          <a:p>
-            <a:endParaRPr dirty="0"/>
-          </a:p>
-        </p:txBody>
-      </p:sp>
-      <p:sp>
-        <p:nvSpPr>
-          <p:cNvPr id="21" name="Google Shape;79;p5">
-            <a:extLst>
-              <a:ext uri="{FF2B5EF4-FFF2-40B4-BE49-F238E27FC236}">
-                <a16:creationId xmlns:a16="http://schemas.microsoft.com/office/drawing/2014/main" id="{D187CDD8-77CC-44EC-9A35-0FF0C7AAD200}"/>
-              </a:ext>
-            </a:extLst>
-          </p:cNvPr>
-          <p:cNvSpPr txBox="1">
-            <a:spLocks noGrp="1"/>
-          </p:cNvSpPr>
-          <p:nvPr>
-            <p:ph type="body" idx="13"/>
-          </p:nvPr>
-        </p:nvSpPr>
-        <p:spPr>
-          <a:xfrm>
-            <a:off x="4772276" y="1634290"/>
-            <a:ext cx="3913252" cy="3012436"/>
-          </a:xfrm>
-          <a:prstGeom prst="rect">
-            <a:avLst/>
-          </a:prstGeom>
-        </p:spPr>
-        <p:txBody>
-          <a:bodyPr spcFirstLastPara="1" wrap="square" lIns="91425" tIns="91425" rIns="91425" bIns="91425" anchor="t" anchorCtr="0"/>
-          <a:lstStyle>
-            <a:lvl1pPr marL="457200" lvl="0" indent="-381000">
-              <a:spcBef>
-                <a:spcPts val="600"/>
-              </a:spcBef>
-              <a:spcAft>
-                <a:spcPts val="0"/>
-              </a:spcAft>
-              <a:buSzPts val="2400"/>
-              <a:buChar char="▰"/>
-              <a:defRPr sz="1400"/>
-            </a:lvl1pPr>
-            <a:lvl2pPr marL="914400" lvl="1" indent="-381000">
-              <a:spcBef>
-                <a:spcPts val="1000"/>
-              </a:spcBef>
-              <a:spcAft>
-                <a:spcPts val="0"/>
-              </a:spcAft>
-              <a:buSzPts val="2400"/>
-              <a:buChar char="▻"/>
-              <a:defRPr/>
-            </a:lvl2pPr>
-            <a:lvl3pPr marL="1371600" lvl="2" indent="-381000">
-              <a:spcBef>
-                <a:spcPts val="1000"/>
-              </a:spcBef>
-              <a:spcAft>
-                <a:spcPts val="0"/>
-              </a:spcAft>
-              <a:buSzPts val="2400"/>
-              <a:buChar char="▻"/>
-              <a:defRPr/>
-            </a:lvl3pPr>
-            <a:lvl4pPr marL="1828800" lvl="3" indent="-381000">
-              <a:spcBef>
-                <a:spcPts val="1000"/>
-              </a:spcBef>
-              <a:spcAft>
-                <a:spcPts val="0"/>
-              </a:spcAft>
-              <a:buSzPts val="2400"/>
-              <a:buChar char="▻"/>
-              <a:defRPr/>
-            </a:lvl4pPr>
-            <a:lvl5pPr marL="2286000" lvl="4" indent="-381000">
-              <a:spcBef>
-                <a:spcPts val="1000"/>
-              </a:spcBef>
-              <a:spcAft>
-                <a:spcPts val="0"/>
-              </a:spcAft>
-              <a:buSzPts val="2400"/>
-              <a:buChar char="▻"/>
-              <a:defRPr/>
-            </a:lvl5pPr>
-            <a:lvl6pPr marL="2743200" lvl="5" indent="-381000">
-              <a:spcBef>
-                <a:spcPts val="1000"/>
-              </a:spcBef>
-              <a:spcAft>
-                <a:spcPts val="0"/>
-              </a:spcAft>
-              <a:buSzPts val="2400"/>
-              <a:buChar char="▻"/>
-              <a:defRPr/>
-            </a:lvl6pPr>
-            <a:lvl7pPr marL="3200400" lvl="6" indent="-381000">
-              <a:spcBef>
-                <a:spcPts val="1000"/>
-              </a:spcBef>
-              <a:spcAft>
-                <a:spcPts val="0"/>
-              </a:spcAft>
-              <a:buSzPts val="2400"/>
-              <a:buChar char="▻"/>
-              <a:defRPr/>
-            </a:lvl7pPr>
-            <a:lvl8pPr marL="3657600" lvl="7" indent="-381000">
-              <a:spcBef>
-                <a:spcPts val="1000"/>
-              </a:spcBef>
-              <a:spcAft>
-                <a:spcPts val="0"/>
-              </a:spcAft>
-              <a:buSzPts val="2400"/>
-              <a:buChar char="▻"/>
-              <a:defRPr/>
-            </a:lvl8pPr>
-            <a:lvl9pPr marL="4114800" lvl="8" indent="-381000">
-              <a:spcBef>
-                <a:spcPts val="1000"/>
-              </a:spcBef>
-              <a:spcAft>
-                <a:spcPts val="1000"/>
-              </a:spcAft>
-              <a:buSzPts val="2400"/>
-              <a:buChar char="▻"/>
-              <a:defRPr/>
-            </a:lvl9pPr>
-          </a:lstStyle>
-          <a:p>
-            <a:endParaRPr dirty="0"/>
-          </a:p>
-        </p:txBody>
-      </p:sp>
-      <p:grpSp>
-        <p:nvGrpSpPr>
-          <p:cNvPr id="22" name="Google Shape;172;p10">
-            <a:extLst>
-              <a:ext uri="{FF2B5EF4-FFF2-40B4-BE49-F238E27FC236}">
-                <a16:creationId xmlns:a16="http://schemas.microsoft.com/office/drawing/2014/main" id="{75E22C34-0E30-4225-98FF-BF0216DB6D67}"/>
-              </a:ext>
-            </a:extLst>
-          </p:cNvPr>
-          <p:cNvGrpSpPr/>
-          <p:nvPr userDrawn="1"/>
-        </p:nvGrpSpPr>
-        <p:grpSpPr>
-          <a:xfrm rot="10800000">
-            <a:off x="-3288" y="-9"/>
-            <a:ext cx="6175488" cy="600370"/>
-            <a:chOff x="5575242" y="4472728"/>
-            <a:chExt cx="2202830" cy="670794"/>
-          </a:xfrm>
-        </p:grpSpPr>
-        <p:sp>
-          <p:nvSpPr>
-            <p:cNvPr id="23" name="Google Shape;173;p10">
-              <a:extLst>
-                <a:ext uri="{FF2B5EF4-FFF2-40B4-BE49-F238E27FC236}">
-                  <a16:creationId xmlns:a16="http://schemas.microsoft.com/office/drawing/2014/main" id="{57FC667F-3E34-4E20-9053-2A782AC27CF4}"/>
-                </a:ext>
-              </a:extLst>
-            </p:cNvPr>
-            <p:cNvSpPr/>
-            <p:nvPr/>
-          </p:nvSpPr>
-          <p:spPr>
-            <a:xfrm rot="10800000">
-              <a:off x="5575242" y="4948334"/>
-              <a:ext cx="394200" cy="131400"/>
-            </a:xfrm>
-            <a:prstGeom prst="triangle">
-              <a:avLst>
-                <a:gd name="adj" fmla="val 32425"/>
-              </a:avLst>
-            </a:prstGeom>
-            <a:solidFill>
-              <a:srgbClr val="263248"/>
-            </a:solidFill>
-            <a:ln>
-              <a:noFill/>
-            </a:ln>
-          </p:spPr>
-          <p:txBody>
-            <a:bodyPr spcFirstLastPara="1" wrap="square" lIns="91425" tIns="91425" rIns="91425" bIns="91425" anchor="ctr" anchorCtr="0">
-              <a:noAutofit/>
-            </a:bodyPr>
-            <a:lstStyle/>
-            <a:p>
-              <a:pPr marL="0" lvl="0" indent="0" algn="l" rtl="0">
-                <a:spcBef>
-                  <a:spcPts val="0"/>
-                </a:spcBef>
-                <a:spcAft>
-                  <a:spcPts val="0"/>
-                </a:spcAft>
-                <a:buNone/>
-              </a:pPr>
-              <a:endParaRPr/>
-            </a:p>
-          </p:txBody>
-        </p:sp>
-        <p:grpSp>
-          <p:nvGrpSpPr>
-            <p:cNvPr id="24" name="Google Shape;174;p10">
-              <a:extLst>
-                <a:ext uri="{FF2B5EF4-FFF2-40B4-BE49-F238E27FC236}">
-                  <a16:creationId xmlns:a16="http://schemas.microsoft.com/office/drawing/2014/main" id="{0B3BB4D6-0235-4277-8372-B15A47961DEF}"/>
-                </a:ext>
-              </a:extLst>
-            </p:cNvPr>
-            <p:cNvGrpSpPr/>
-            <p:nvPr/>
-          </p:nvGrpSpPr>
-          <p:grpSpPr>
-            <a:xfrm flipH="1">
-              <a:off x="5611893" y="4472728"/>
-              <a:ext cx="2163794" cy="670794"/>
-              <a:chOff x="1297953" y="330090"/>
-              <a:chExt cx="5480735" cy="1699502"/>
-            </a:xfrm>
-          </p:grpSpPr>
-          <p:sp>
-            <p:nvSpPr>
-              <p:cNvPr id="28" name="Google Shape;175;p10">
-                <a:extLst>
-                  <a:ext uri="{FF2B5EF4-FFF2-40B4-BE49-F238E27FC236}">
-                    <a16:creationId xmlns:a16="http://schemas.microsoft.com/office/drawing/2014/main" id="{06E96CE3-389A-41D6-AC88-391C1CD52D3D}"/>
-                  </a:ext>
-                </a:extLst>
-              </p:cNvPr>
-              <p:cNvSpPr/>
-              <p:nvPr/>
-            </p:nvSpPr>
-            <p:spPr>
-              <a:xfrm>
-                <a:off x="1297953" y="330090"/>
-                <a:ext cx="4914520" cy="1699500"/>
-              </a:xfrm>
-              <a:prstGeom prst="rect">
-                <a:avLst/>
-              </a:prstGeom>
-              <a:solidFill>
-                <a:srgbClr val="C7D3E6"/>
-              </a:solidFill>
-              <a:ln>
-                <a:noFill/>
-              </a:ln>
-            </p:spPr>
-            <p:txBody>
-              <a:bodyPr spcFirstLastPara="1" wrap="square" lIns="91425" tIns="91425" rIns="91425" bIns="91425" anchor="ctr" anchorCtr="0">
-                <a:noAutofit/>
-              </a:bodyPr>
-              <a:lstStyle/>
-              <a:p>
-                <a:pPr marL="0" lvl="0" indent="0" algn="l" rtl="0">
-                  <a:spcBef>
-                    <a:spcPts val="0"/>
-                  </a:spcBef>
-                  <a:spcAft>
-                    <a:spcPts val="0"/>
-                  </a:spcAft>
-                  <a:buNone/>
-                </a:pPr>
-                <a:endParaRPr/>
-              </a:p>
-            </p:txBody>
-          </p:sp>
-          <p:sp>
-            <p:nvSpPr>
-              <p:cNvPr id="29" name="Google Shape;176;p10">
-                <a:extLst>
-                  <a:ext uri="{FF2B5EF4-FFF2-40B4-BE49-F238E27FC236}">
-                    <a16:creationId xmlns:a16="http://schemas.microsoft.com/office/drawing/2014/main" id="{EA62C617-AFFE-4BC0-A44D-13FDB3788C2F}"/>
-                  </a:ext>
-                </a:extLst>
-              </p:cNvPr>
-              <p:cNvSpPr/>
-              <p:nvPr/>
-            </p:nvSpPr>
-            <p:spPr>
-              <a:xfrm>
-                <a:off x="6212473" y="330092"/>
-                <a:ext cx="566215" cy="1699500"/>
-              </a:xfrm>
-              <a:prstGeom prst="rtTriangle">
-                <a:avLst/>
-              </a:prstGeom>
-              <a:solidFill>
-                <a:srgbClr val="C7D3E6"/>
-              </a:solidFill>
-              <a:ln>
-                <a:noFill/>
-              </a:ln>
-            </p:spPr>
-            <p:txBody>
-              <a:bodyPr spcFirstLastPara="1" wrap="square" lIns="91425" tIns="91425" rIns="91425" bIns="91425" anchor="ctr" anchorCtr="0">
-                <a:noAutofit/>
-              </a:bodyPr>
-              <a:lstStyle/>
-              <a:p>
-                <a:pPr marL="0" lvl="0" indent="0" algn="l" rtl="0">
-                  <a:spcBef>
-                    <a:spcPts val="0"/>
-                  </a:spcBef>
-                  <a:spcAft>
-                    <a:spcPts val="0"/>
-                  </a:spcAft>
-                  <a:buNone/>
-                </a:pPr>
-                <a:endParaRPr/>
-              </a:p>
-            </p:txBody>
-          </p:sp>
-        </p:grpSp>
-        <p:grpSp>
-          <p:nvGrpSpPr>
-            <p:cNvPr id="25" name="Google Shape;177;p10">
-              <a:extLst>
-                <a:ext uri="{FF2B5EF4-FFF2-40B4-BE49-F238E27FC236}">
-                  <a16:creationId xmlns:a16="http://schemas.microsoft.com/office/drawing/2014/main" id="{7421F6D4-41AD-4407-81E9-BF4842CD211D}"/>
-                </a:ext>
-              </a:extLst>
-            </p:cNvPr>
-            <p:cNvGrpSpPr/>
-            <p:nvPr/>
-          </p:nvGrpSpPr>
-          <p:grpSpPr>
-            <a:xfrm flipH="1">
-              <a:off x="5578209" y="4646738"/>
-              <a:ext cx="2199863" cy="304566"/>
-              <a:chOff x="-5827153" y="330075"/>
-              <a:chExt cx="12276021" cy="1699582"/>
-            </a:xfrm>
-          </p:grpSpPr>
-          <p:sp>
-            <p:nvSpPr>
-              <p:cNvPr id="26" name="Google Shape;178;p10">
-                <a:extLst>
-                  <a:ext uri="{FF2B5EF4-FFF2-40B4-BE49-F238E27FC236}">
-                    <a16:creationId xmlns:a16="http://schemas.microsoft.com/office/drawing/2014/main" id="{0A43C0A8-788C-463B-895F-03E9B8220BBB}"/>
-                  </a:ext>
-                </a:extLst>
-              </p:cNvPr>
-              <p:cNvSpPr/>
-              <p:nvPr/>
-            </p:nvSpPr>
-            <p:spPr>
-              <a:xfrm>
-                <a:off x="-5827153" y="330157"/>
-                <a:ext cx="11641543" cy="1699500"/>
-              </a:xfrm>
-              <a:prstGeom prst="rect">
-                <a:avLst/>
-              </a:prstGeom>
-              <a:solidFill>
-                <a:srgbClr val="3F5378"/>
-              </a:solidFill>
-              <a:ln>
-                <a:noFill/>
-              </a:ln>
-            </p:spPr>
-            <p:txBody>
-              <a:bodyPr spcFirstLastPara="1" wrap="square" lIns="91425" tIns="91425" rIns="91425" bIns="91425" anchor="ctr" anchorCtr="0">
-                <a:noAutofit/>
-              </a:bodyPr>
-              <a:lstStyle/>
-              <a:p>
-                <a:pPr marL="0" lvl="0" indent="0" algn="l" rtl="0">
-                  <a:spcBef>
-                    <a:spcPts val="0"/>
-                  </a:spcBef>
-                  <a:spcAft>
-                    <a:spcPts val="0"/>
-                  </a:spcAft>
-                  <a:buNone/>
-                </a:pPr>
-                <a:endParaRPr/>
-              </a:p>
-            </p:txBody>
-          </p:sp>
-          <p:sp>
-            <p:nvSpPr>
-              <p:cNvPr id="27" name="Google Shape;179;p10">
-                <a:extLst>
-                  <a:ext uri="{FF2B5EF4-FFF2-40B4-BE49-F238E27FC236}">
-                    <a16:creationId xmlns:a16="http://schemas.microsoft.com/office/drawing/2014/main" id="{BAA01DF9-A09B-4CB1-A537-763DC96795F8}"/>
-                  </a:ext>
-                </a:extLst>
-              </p:cNvPr>
-              <p:cNvSpPr/>
-              <p:nvPr/>
-            </p:nvSpPr>
-            <p:spPr>
-              <a:xfrm>
-                <a:off x="5814393" y="330075"/>
-                <a:ext cx="634475" cy="1699500"/>
-              </a:xfrm>
-              <a:prstGeom prst="rtTriangle">
-                <a:avLst/>
-              </a:prstGeom>
-              <a:solidFill>
-                <a:srgbClr val="3F5378"/>
-              </a:solidFill>
-              <a:ln>
-                <a:noFill/>
-              </a:ln>
-            </p:spPr>
-            <p:txBody>
-              <a:bodyPr spcFirstLastPara="1" wrap="square" lIns="91425" tIns="91425" rIns="91425" bIns="91425" anchor="ctr" anchorCtr="0">
-                <a:noAutofit/>
-              </a:bodyPr>
-              <a:lstStyle/>
-              <a:p>
-                <a:pPr marL="0" lvl="0" indent="0" algn="l" rtl="0">
-                  <a:spcBef>
-                    <a:spcPts val="0"/>
-                  </a:spcBef>
-                  <a:spcAft>
-                    <a:spcPts val="0"/>
-                  </a:spcAft>
-                  <a:buNone/>
-                </a:pPr>
-                <a:endParaRPr/>
-              </a:p>
-            </p:txBody>
-          </p:sp>
-        </p:grpSp>
-      </p:grpSp>
-      <p:sp>
-        <p:nvSpPr>
-          <p:cNvPr id="30" name="Google Shape;98;p6">
-            <a:extLst>
-              <a:ext uri="{FF2B5EF4-FFF2-40B4-BE49-F238E27FC236}">
-                <a16:creationId xmlns:a16="http://schemas.microsoft.com/office/drawing/2014/main" id="{98711A4E-00A1-4E89-8063-A15D993ECFCD}"/>
-              </a:ext>
-            </a:extLst>
-          </p:cNvPr>
-          <p:cNvSpPr txBox="1">
-            <a:spLocks noGrp="1"/>
-          </p:cNvSpPr>
-          <p:nvPr>
-            <p:ph type="title"/>
-          </p:nvPr>
-        </p:nvSpPr>
-        <p:spPr>
-          <a:xfrm>
-            <a:off x="458471" y="178500"/>
-            <a:ext cx="5439369" cy="258157"/>
-          </a:xfrm>
-          <a:prstGeom prst="rect">
-            <a:avLst/>
-          </a:prstGeom>
-        </p:spPr>
-        <p:txBody>
-          <a:bodyPr spcFirstLastPara="1" wrap="square" lIns="91425" tIns="91425" rIns="91425" bIns="91425" anchor="ctr" anchorCtr="0"/>
-          <a:lstStyle>
-            <a:lvl1pPr lvl="0">
-              <a:spcBef>
-                <a:spcPts val="0"/>
-              </a:spcBef>
-              <a:spcAft>
-                <a:spcPts val="0"/>
-              </a:spcAft>
-              <a:buSzPts val="2000"/>
-              <a:buNone/>
-              <a:defRPr sz="1600"/>
-            </a:lvl1pPr>
-            <a:lvl2pPr lvl="1">
-              <a:spcBef>
-                <a:spcPts val="0"/>
-              </a:spcBef>
-              <a:spcAft>
-                <a:spcPts val="0"/>
-              </a:spcAft>
-              <a:buSzPts val="2000"/>
-              <a:buNone/>
-              <a:defRPr/>
-            </a:lvl2pPr>
-            <a:lvl3pPr lvl="2">
-              <a:spcBef>
-                <a:spcPts val="0"/>
-              </a:spcBef>
-              <a:spcAft>
-                <a:spcPts val="0"/>
-              </a:spcAft>
-              <a:buSzPts val="2000"/>
-              <a:buNone/>
-              <a:defRPr/>
-            </a:lvl3pPr>
-            <a:lvl4pPr lvl="3">
-              <a:spcBef>
-                <a:spcPts val="0"/>
-              </a:spcBef>
-              <a:spcAft>
-                <a:spcPts val="0"/>
-              </a:spcAft>
-              <a:buSzPts val="2000"/>
-              <a:buNone/>
-              <a:defRPr/>
-            </a:lvl4pPr>
-            <a:lvl5pPr lvl="4">
-              <a:spcBef>
-                <a:spcPts val="0"/>
-              </a:spcBef>
-              <a:spcAft>
-                <a:spcPts val="0"/>
-              </a:spcAft>
-              <a:buSzPts val="2000"/>
-              <a:buNone/>
-              <a:defRPr/>
-            </a:lvl5pPr>
-            <a:lvl6pPr lvl="5">
-              <a:spcBef>
-                <a:spcPts val="0"/>
-              </a:spcBef>
-              <a:spcAft>
-                <a:spcPts val="0"/>
-              </a:spcAft>
-              <a:buSzPts val="2000"/>
-              <a:buNone/>
-              <a:defRPr/>
-            </a:lvl6pPr>
-            <a:lvl7pPr lvl="6">
-              <a:spcBef>
-                <a:spcPts val="0"/>
-              </a:spcBef>
-              <a:spcAft>
-                <a:spcPts val="0"/>
-              </a:spcAft>
-              <a:buSzPts val="2000"/>
-              <a:buNone/>
-              <a:defRPr/>
-            </a:lvl7pPr>
-            <a:lvl8pPr lvl="7">
-              <a:spcBef>
-                <a:spcPts val="0"/>
-              </a:spcBef>
-              <a:spcAft>
-                <a:spcPts val="0"/>
-              </a:spcAft>
-              <a:buSzPts val="2000"/>
-              <a:buNone/>
-              <a:defRPr/>
-            </a:lvl8pPr>
-            <a:lvl9pPr lvl="8">
-              <a:spcBef>
-                <a:spcPts val="0"/>
-              </a:spcBef>
-              <a:spcAft>
-                <a:spcPts val="0"/>
-              </a:spcAft>
-              <a:buSzPts val="2000"/>
-              <a:buNone/>
-              <a:defRPr/>
-            </a:lvl9pPr>
-          </a:lstStyle>
-          <a:p>
-            <a:endParaRPr dirty="0"/>
-          </a:p>
-        </p:txBody>
-      </p:sp>
-      <p:sp>
-        <p:nvSpPr>
-          <p:cNvPr id="31" name="Google Shape;79;p5">
-            <a:extLst>
-              <a:ext uri="{FF2B5EF4-FFF2-40B4-BE49-F238E27FC236}">
-                <a16:creationId xmlns:a16="http://schemas.microsoft.com/office/drawing/2014/main" id="{7408B06A-A607-416C-8836-2D7C1A9516C1}"/>
-              </a:ext>
-            </a:extLst>
-          </p:cNvPr>
-          <p:cNvSpPr txBox="1">
-            <a:spLocks noGrp="1"/>
-          </p:cNvSpPr>
-          <p:nvPr>
-            <p:ph type="body" idx="14"/>
-          </p:nvPr>
-        </p:nvSpPr>
-        <p:spPr>
-          <a:xfrm>
-            <a:off x="461244" y="618719"/>
-            <a:ext cx="8224284" cy="841556"/>
-          </a:xfrm>
-          <a:prstGeom prst="rect">
-            <a:avLst/>
-          </a:prstGeom>
-        </p:spPr>
-        <p:txBody>
-          <a:bodyPr spcFirstLastPara="1" wrap="square" lIns="91425" tIns="91425" rIns="91425" bIns="91425" anchor="t" anchorCtr="0"/>
-          <a:lstStyle>
-            <a:lvl1pPr marL="457200" lvl="0" indent="-381000">
-              <a:spcBef>
-                <a:spcPts val="600"/>
-              </a:spcBef>
-              <a:spcAft>
-                <a:spcPts val="0"/>
-              </a:spcAft>
-              <a:buSzPts val="2400"/>
-              <a:buChar char="▰"/>
-              <a:defRPr sz="1400"/>
-            </a:lvl1pPr>
-            <a:lvl2pPr marL="914400" lvl="1" indent="-381000">
-              <a:spcBef>
-                <a:spcPts val="1000"/>
-              </a:spcBef>
-              <a:spcAft>
-                <a:spcPts val="0"/>
-              </a:spcAft>
-              <a:buSzPts val="2400"/>
-              <a:buChar char="▻"/>
-              <a:defRPr/>
-            </a:lvl2pPr>
-            <a:lvl3pPr marL="1371600" lvl="2" indent="-381000">
-              <a:spcBef>
-                <a:spcPts val="1000"/>
-              </a:spcBef>
-              <a:spcAft>
-                <a:spcPts val="0"/>
-              </a:spcAft>
-              <a:buSzPts val="2400"/>
-              <a:buChar char="▻"/>
-              <a:defRPr/>
-            </a:lvl3pPr>
-            <a:lvl4pPr marL="1828800" lvl="3" indent="-381000">
-              <a:spcBef>
-                <a:spcPts val="1000"/>
-              </a:spcBef>
-              <a:spcAft>
-                <a:spcPts val="0"/>
-              </a:spcAft>
-              <a:buSzPts val="2400"/>
-              <a:buChar char="▻"/>
-              <a:defRPr/>
-            </a:lvl4pPr>
-            <a:lvl5pPr marL="2286000" lvl="4" indent="-381000">
-              <a:spcBef>
-                <a:spcPts val="1000"/>
-              </a:spcBef>
-              <a:spcAft>
-                <a:spcPts val="0"/>
-              </a:spcAft>
-              <a:buSzPts val="2400"/>
-              <a:buChar char="▻"/>
-              <a:defRPr/>
-            </a:lvl5pPr>
-            <a:lvl6pPr marL="2743200" lvl="5" indent="-381000">
-              <a:spcBef>
-                <a:spcPts val="1000"/>
-              </a:spcBef>
-              <a:spcAft>
-                <a:spcPts val="0"/>
-              </a:spcAft>
-              <a:buSzPts val="2400"/>
-              <a:buChar char="▻"/>
-              <a:defRPr/>
-            </a:lvl6pPr>
-            <a:lvl7pPr marL="3200400" lvl="6" indent="-381000">
-              <a:spcBef>
-                <a:spcPts val="1000"/>
-              </a:spcBef>
-              <a:spcAft>
-                <a:spcPts val="0"/>
-              </a:spcAft>
-              <a:buSzPts val="2400"/>
-              <a:buChar char="▻"/>
-              <a:defRPr/>
-            </a:lvl7pPr>
-            <a:lvl8pPr marL="3657600" lvl="7" indent="-381000">
-              <a:spcBef>
-                <a:spcPts val="1000"/>
-              </a:spcBef>
-              <a:spcAft>
-                <a:spcPts val="0"/>
-              </a:spcAft>
-              <a:buSzPts val="2400"/>
-              <a:buChar char="▻"/>
-              <a:defRPr/>
-            </a:lvl8pPr>
-            <a:lvl9pPr marL="4114800" lvl="8" indent="-381000">
-              <a:spcBef>
-                <a:spcPts val="1000"/>
-              </a:spcBef>
-              <a:spcAft>
-                <a:spcPts val="1000"/>
-              </a:spcAft>
-              <a:buSzPts val="2400"/>
-              <a:buChar char="▻"/>
-              <a:defRPr/>
-            </a:lvl9pPr>
-          </a:lstStyle>
-          <a:p>
-            <a:endParaRPr dirty="0"/>
-          </a:p>
-        </p:txBody>
-      </p:sp>
-    </p:spTree>
-    <p:extLst>
-      <p:ext uri="{BB962C8B-B14F-4D97-AF65-F5344CB8AC3E}">
-        <p14:creationId xmlns:p14="http://schemas.microsoft.com/office/powerpoint/2010/main" val="535224962"/>
-      </p:ext>
-    </p:extLst>
   </p:cSld>
   <p:clrMapOvr>
     <a:masterClrMapping/>
@@ -3620,883 +2447,6 @@
 </file>
 
 <file path=ppt/slideLayouts/slideLayout3.xml><?xml version="1.0" encoding="utf-8"?>
-<p:sldLayout xmlns:a="http://schemas.openxmlformats.org/drawingml/2006/main" xmlns:r="http://schemas.openxmlformats.org/officeDocument/2006/relationships" xmlns:p="http://schemas.openxmlformats.org/presentationml/2006/main" matchingName="Title + 1 column" type="tx">
-  <p:cSld name="TITLE_AND_BODY">
-    <p:spTree>
-      <p:nvGrpSpPr>
-        <p:cNvPr id="1" name="Shape 61"/>
-        <p:cNvGrpSpPr/>
-        <p:nvPr/>
-      </p:nvGrpSpPr>
-      <p:grpSpPr>
-        <a:xfrm>
-          <a:off x="0" y="0"/>
-          <a:ext cx="0" cy="0"/>
-          <a:chOff x="0" y="0"/>
-          <a:chExt cx="0" cy="0"/>
-        </a:xfrm>
-      </p:grpSpPr>
-      <p:grpSp>
-        <p:nvGrpSpPr>
-          <p:cNvPr id="62" name="Google Shape;62;p5"/>
-          <p:cNvGrpSpPr/>
-          <p:nvPr/>
-        </p:nvGrpSpPr>
-        <p:grpSpPr>
-          <a:xfrm>
-            <a:off x="-4" y="40"/>
-            <a:ext cx="7072430" cy="1327315"/>
-            <a:chOff x="-4" y="40"/>
-            <a:chExt cx="7072430" cy="1327315"/>
-          </a:xfrm>
-        </p:grpSpPr>
-        <p:sp>
-          <p:nvSpPr>
-            <p:cNvPr id="63" name="Google Shape;63;p5"/>
-            <p:cNvSpPr/>
-            <p:nvPr/>
-          </p:nvSpPr>
-          <p:spPr>
-            <a:xfrm>
-              <a:off x="6292649" y="126425"/>
-              <a:ext cx="779700" cy="259800"/>
-            </a:xfrm>
-            <a:prstGeom prst="triangle">
-              <a:avLst>
-                <a:gd name="adj" fmla="val 32425"/>
-              </a:avLst>
-            </a:prstGeom>
-            <a:solidFill>
-              <a:srgbClr val="263248"/>
-            </a:solidFill>
-            <a:ln>
-              <a:noFill/>
-            </a:ln>
-          </p:spPr>
-          <p:txBody>
-            <a:bodyPr spcFirstLastPara="1" wrap="square" lIns="91425" tIns="91425" rIns="91425" bIns="91425" anchor="ctr" anchorCtr="0">
-              <a:noAutofit/>
-            </a:bodyPr>
-            <a:lstStyle/>
-            <a:p>
-              <a:pPr marL="0" lvl="0" indent="0" algn="l" rtl="0">
-                <a:spcBef>
-                  <a:spcPts val="0"/>
-                </a:spcBef>
-                <a:spcAft>
-                  <a:spcPts val="0"/>
-                </a:spcAft>
-                <a:buNone/>
-              </a:pPr>
-              <a:endParaRPr>
-                <a:latin typeface="Arvo"/>
-                <a:ea typeface="Arvo"/>
-                <a:cs typeface="Arvo"/>
-                <a:sym typeface="Arvo"/>
-              </a:endParaRPr>
-            </a:p>
-          </p:txBody>
-        </p:sp>
-        <p:grpSp>
-          <p:nvGrpSpPr>
-            <p:cNvPr id="64" name="Google Shape;64;p5"/>
-            <p:cNvGrpSpPr/>
-            <p:nvPr/>
-          </p:nvGrpSpPr>
-          <p:grpSpPr>
-            <a:xfrm rot="10800000" flipH="1">
-              <a:off x="3" y="40"/>
-              <a:ext cx="6756168" cy="1327315"/>
-              <a:chOff x="-2168138" y="330075"/>
-              <a:chExt cx="8650663" cy="1699506"/>
-            </a:xfrm>
-          </p:grpSpPr>
-          <p:sp>
-            <p:nvSpPr>
-              <p:cNvPr id="65" name="Google Shape;65;p5"/>
-              <p:cNvSpPr/>
-              <p:nvPr/>
-            </p:nvSpPr>
-            <p:spPr>
-              <a:xfrm>
-                <a:off x="-2168138" y="330081"/>
-                <a:ext cx="6958200" cy="1699500"/>
-              </a:xfrm>
-              <a:prstGeom prst="rect">
-                <a:avLst/>
-              </a:prstGeom>
-              <a:solidFill>
-                <a:srgbClr val="C7D3E6"/>
-              </a:solidFill>
-              <a:ln>
-                <a:noFill/>
-              </a:ln>
-            </p:spPr>
-            <p:txBody>
-              <a:bodyPr spcFirstLastPara="1" wrap="square" lIns="91425" tIns="91425" rIns="91425" bIns="91425" anchor="ctr" anchorCtr="0">
-                <a:noAutofit/>
-              </a:bodyPr>
-              <a:lstStyle/>
-              <a:p>
-                <a:pPr marL="0" lvl="0" indent="0" algn="l" rtl="0">
-                  <a:spcBef>
-                    <a:spcPts val="0"/>
-                  </a:spcBef>
-                  <a:spcAft>
-                    <a:spcPts val="0"/>
-                  </a:spcAft>
-                  <a:buNone/>
-                </a:pPr>
-                <a:endParaRPr>
-                  <a:latin typeface="Arvo"/>
-                  <a:ea typeface="Arvo"/>
-                  <a:cs typeface="Arvo"/>
-                  <a:sym typeface="Arvo"/>
-                </a:endParaRPr>
-              </a:p>
-            </p:txBody>
-          </p:sp>
-          <p:sp>
-            <p:nvSpPr>
-              <p:cNvPr id="66" name="Google Shape;66;p5"/>
-              <p:cNvSpPr/>
-              <p:nvPr/>
-            </p:nvSpPr>
-            <p:spPr>
-              <a:xfrm>
-                <a:off x="4783025" y="330075"/>
-                <a:ext cx="1699500" cy="1699500"/>
-              </a:xfrm>
-              <a:prstGeom prst="rtTriangle">
-                <a:avLst/>
-              </a:prstGeom>
-              <a:solidFill>
-                <a:srgbClr val="C7D3E6"/>
-              </a:solidFill>
-              <a:ln>
-                <a:noFill/>
-              </a:ln>
-            </p:spPr>
-            <p:txBody>
-              <a:bodyPr spcFirstLastPara="1" wrap="square" lIns="91425" tIns="91425" rIns="91425" bIns="91425" anchor="ctr" anchorCtr="0">
-                <a:noAutofit/>
-              </a:bodyPr>
-              <a:lstStyle/>
-              <a:p>
-                <a:pPr marL="0" lvl="0" indent="0" algn="l" rtl="0">
-                  <a:spcBef>
-                    <a:spcPts val="0"/>
-                  </a:spcBef>
-                  <a:spcAft>
-                    <a:spcPts val="0"/>
-                  </a:spcAft>
-                  <a:buNone/>
-                </a:pPr>
-                <a:endParaRPr>
-                  <a:latin typeface="Arvo"/>
-                  <a:ea typeface="Arvo"/>
-                  <a:cs typeface="Arvo"/>
-                  <a:sym typeface="Arvo"/>
-                </a:endParaRPr>
-              </a:p>
-            </p:txBody>
-          </p:sp>
-        </p:grpSp>
-        <p:grpSp>
-          <p:nvGrpSpPr>
-            <p:cNvPr id="67" name="Google Shape;67;p5"/>
-            <p:cNvGrpSpPr/>
-            <p:nvPr/>
-          </p:nvGrpSpPr>
-          <p:grpSpPr>
-            <a:xfrm rot="10800000" flipH="1">
-              <a:off x="-4" y="381007"/>
-              <a:ext cx="7072430" cy="771744"/>
-              <a:chOff x="-9092084" y="330075"/>
-              <a:chExt cx="15574609" cy="1699501"/>
-            </a:xfrm>
-          </p:grpSpPr>
-          <p:sp>
-            <p:nvSpPr>
-              <p:cNvPr id="68" name="Google Shape;68;p5"/>
-              <p:cNvSpPr/>
-              <p:nvPr/>
-            </p:nvSpPr>
-            <p:spPr>
-              <a:xfrm>
-                <a:off x="-9092084" y="330076"/>
-                <a:ext cx="13882200" cy="1699500"/>
-              </a:xfrm>
-              <a:prstGeom prst="rect">
-                <a:avLst/>
-              </a:prstGeom>
-              <a:solidFill>
-                <a:srgbClr val="3F5378"/>
-              </a:solidFill>
-              <a:ln>
-                <a:noFill/>
-              </a:ln>
-            </p:spPr>
-            <p:txBody>
-              <a:bodyPr spcFirstLastPara="1" wrap="square" lIns="91425" tIns="91425" rIns="91425" bIns="91425" anchor="ctr" anchorCtr="0">
-                <a:noAutofit/>
-              </a:bodyPr>
-              <a:lstStyle/>
-              <a:p>
-                <a:pPr marL="0" lvl="0" indent="0" algn="l" rtl="0">
-                  <a:spcBef>
-                    <a:spcPts val="0"/>
-                  </a:spcBef>
-                  <a:spcAft>
-                    <a:spcPts val="0"/>
-                  </a:spcAft>
-                  <a:buNone/>
-                </a:pPr>
-                <a:endParaRPr>
-                  <a:latin typeface="Arvo"/>
-                  <a:ea typeface="Arvo"/>
-                  <a:cs typeface="Arvo"/>
-                  <a:sym typeface="Arvo"/>
-                </a:endParaRPr>
-              </a:p>
-            </p:txBody>
-          </p:sp>
-          <p:sp>
-            <p:nvSpPr>
-              <p:cNvPr id="69" name="Google Shape;69;p5"/>
-              <p:cNvSpPr/>
-              <p:nvPr/>
-            </p:nvSpPr>
-            <p:spPr>
-              <a:xfrm>
-                <a:off x="4783025" y="330075"/>
-                <a:ext cx="1699500" cy="1699500"/>
-              </a:xfrm>
-              <a:prstGeom prst="rtTriangle">
-                <a:avLst/>
-              </a:prstGeom>
-              <a:solidFill>
-                <a:srgbClr val="3F5378"/>
-              </a:solidFill>
-              <a:ln>
-                <a:noFill/>
-              </a:ln>
-            </p:spPr>
-            <p:txBody>
-              <a:bodyPr spcFirstLastPara="1" wrap="square" lIns="91425" tIns="91425" rIns="91425" bIns="91425" anchor="ctr" anchorCtr="0">
-                <a:noAutofit/>
-              </a:bodyPr>
-              <a:lstStyle/>
-              <a:p>
-                <a:pPr marL="0" lvl="0" indent="0" algn="l" rtl="0">
-                  <a:spcBef>
-                    <a:spcPts val="0"/>
-                  </a:spcBef>
-                  <a:spcAft>
-                    <a:spcPts val="0"/>
-                  </a:spcAft>
-                  <a:buNone/>
-                </a:pPr>
-                <a:endParaRPr>
-                  <a:latin typeface="Arvo"/>
-                  <a:ea typeface="Arvo"/>
-                  <a:cs typeface="Arvo"/>
-                  <a:sym typeface="Arvo"/>
-                </a:endParaRPr>
-              </a:p>
-            </p:txBody>
-          </p:sp>
-        </p:grpSp>
-      </p:grpSp>
-      <p:grpSp>
-        <p:nvGrpSpPr>
-          <p:cNvPr id="70" name="Google Shape;70;p5"/>
-          <p:cNvGrpSpPr/>
-          <p:nvPr/>
-        </p:nvGrpSpPr>
-        <p:grpSpPr>
-          <a:xfrm>
-            <a:off x="6946842" y="4472723"/>
-            <a:ext cx="2202830" cy="670795"/>
-            <a:chOff x="5575242" y="4472723"/>
-            <a:chExt cx="2202830" cy="670795"/>
-          </a:xfrm>
-        </p:grpSpPr>
-        <p:sp>
-          <p:nvSpPr>
-            <p:cNvPr id="71" name="Google Shape;71;p5"/>
-            <p:cNvSpPr/>
-            <p:nvPr/>
-          </p:nvSpPr>
-          <p:spPr>
-            <a:xfrm rot="10800000">
-              <a:off x="5575242" y="4948334"/>
-              <a:ext cx="394200" cy="131400"/>
-            </a:xfrm>
-            <a:prstGeom prst="triangle">
-              <a:avLst>
-                <a:gd name="adj" fmla="val 32425"/>
-              </a:avLst>
-            </a:prstGeom>
-            <a:solidFill>
-              <a:srgbClr val="D26F00"/>
-            </a:solidFill>
-            <a:ln>
-              <a:noFill/>
-            </a:ln>
-          </p:spPr>
-          <p:txBody>
-            <a:bodyPr spcFirstLastPara="1" wrap="square" lIns="91425" tIns="91425" rIns="91425" bIns="91425" anchor="ctr" anchorCtr="0">
-              <a:noAutofit/>
-            </a:bodyPr>
-            <a:lstStyle/>
-            <a:p>
-              <a:pPr marL="0" lvl="0" indent="0" algn="l" rtl="0">
-                <a:spcBef>
-                  <a:spcPts val="0"/>
-                </a:spcBef>
-                <a:spcAft>
-                  <a:spcPts val="0"/>
-                </a:spcAft>
-                <a:buNone/>
-              </a:pPr>
-              <a:endParaRPr/>
-            </a:p>
-          </p:txBody>
-        </p:sp>
-        <p:grpSp>
-          <p:nvGrpSpPr>
-            <p:cNvPr id="72" name="Google Shape;72;p5"/>
-            <p:cNvGrpSpPr/>
-            <p:nvPr/>
-          </p:nvGrpSpPr>
-          <p:grpSpPr>
-            <a:xfrm flipH="1">
-              <a:off x="5734850" y="4472723"/>
-              <a:ext cx="2040837" cy="670795"/>
-              <a:chOff x="1297954" y="330075"/>
-              <a:chExt cx="5169293" cy="1699506"/>
-            </a:xfrm>
-          </p:grpSpPr>
-          <p:sp>
-            <p:nvSpPr>
-              <p:cNvPr id="73" name="Google Shape;73;p5"/>
-              <p:cNvSpPr/>
-              <p:nvPr/>
-            </p:nvSpPr>
-            <p:spPr>
-              <a:xfrm>
-                <a:off x="1297954" y="330081"/>
-                <a:ext cx="3476700" cy="1699500"/>
-              </a:xfrm>
-              <a:prstGeom prst="rect">
-                <a:avLst/>
-              </a:prstGeom>
-              <a:solidFill>
-                <a:srgbClr val="C7D3E6"/>
-              </a:solidFill>
-              <a:ln>
-                <a:noFill/>
-              </a:ln>
-            </p:spPr>
-            <p:txBody>
-              <a:bodyPr spcFirstLastPara="1" wrap="square" lIns="91425" tIns="91425" rIns="91425" bIns="91425" anchor="ctr" anchorCtr="0">
-                <a:noAutofit/>
-              </a:bodyPr>
-              <a:lstStyle/>
-              <a:p>
-                <a:pPr marL="0" lvl="0" indent="0" algn="l" rtl="0">
-                  <a:spcBef>
-                    <a:spcPts val="0"/>
-                  </a:spcBef>
-                  <a:spcAft>
-                    <a:spcPts val="0"/>
-                  </a:spcAft>
-                  <a:buNone/>
-                </a:pPr>
-                <a:endParaRPr/>
-              </a:p>
-            </p:txBody>
-          </p:sp>
-          <p:sp>
-            <p:nvSpPr>
-              <p:cNvPr id="74" name="Google Shape;74;p5"/>
-              <p:cNvSpPr/>
-              <p:nvPr/>
-            </p:nvSpPr>
-            <p:spPr>
-              <a:xfrm>
-                <a:off x="4767747" y="330075"/>
-                <a:ext cx="1699500" cy="1699500"/>
-              </a:xfrm>
-              <a:prstGeom prst="rtTriangle">
-                <a:avLst/>
-              </a:prstGeom>
-              <a:solidFill>
-                <a:srgbClr val="C7D3E6"/>
-              </a:solidFill>
-              <a:ln>
-                <a:noFill/>
-              </a:ln>
-            </p:spPr>
-            <p:txBody>
-              <a:bodyPr spcFirstLastPara="1" wrap="square" lIns="91425" tIns="91425" rIns="91425" bIns="91425" anchor="ctr" anchorCtr="0">
-                <a:noAutofit/>
-              </a:bodyPr>
-              <a:lstStyle/>
-              <a:p>
-                <a:pPr marL="0" lvl="0" indent="0" algn="l" rtl="0">
-                  <a:spcBef>
-                    <a:spcPts val="0"/>
-                  </a:spcBef>
-                  <a:spcAft>
-                    <a:spcPts val="0"/>
-                  </a:spcAft>
-                  <a:buNone/>
-                </a:pPr>
-                <a:endParaRPr/>
-              </a:p>
-            </p:txBody>
-          </p:sp>
-        </p:grpSp>
-        <p:grpSp>
-          <p:nvGrpSpPr>
-            <p:cNvPr id="75" name="Google Shape;75;p5"/>
-            <p:cNvGrpSpPr/>
-            <p:nvPr/>
-          </p:nvGrpSpPr>
-          <p:grpSpPr>
-            <a:xfrm flipH="1">
-              <a:off x="5578209" y="4646738"/>
-              <a:ext cx="2199863" cy="304563"/>
-              <a:chOff x="-5827153" y="330075"/>
-              <a:chExt cx="12276019" cy="1699569"/>
-            </a:xfrm>
-          </p:grpSpPr>
-          <p:sp>
-            <p:nvSpPr>
-              <p:cNvPr id="76" name="Google Shape;76;p5"/>
-              <p:cNvSpPr/>
-              <p:nvPr/>
-            </p:nvSpPr>
-            <p:spPr>
-              <a:xfrm>
-                <a:off x="-5827153" y="330144"/>
-                <a:ext cx="10612200" cy="1699500"/>
-              </a:xfrm>
-              <a:prstGeom prst="rect">
-                <a:avLst/>
-              </a:prstGeom>
-              <a:solidFill>
-                <a:srgbClr val="FF9800"/>
-              </a:solidFill>
-              <a:ln>
-                <a:noFill/>
-              </a:ln>
-            </p:spPr>
-            <p:txBody>
-              <a:bodyPr spcFirstLastPara="1" wrap="square" lIns="91425" tIns="91425" rIns="91425" bIns="91425" anchor="ctr" anchorCtr="0">
-                <a:noAutofit/>
-              </a:bodyPr>
-              <a:lstStyle/>
-              <a:p>
-                <a:pPr marL="0" lvl="0" indent="0" algn="l" rtl="0">
-                  <a:spcBef>
-                    <a:spcPts val="0"/>
-                  </a:spcBef>
-                  <a:spcAft>
-                    <a:spcPts val="0"/>
-                  </a:spcAft>
-                  <a:buNone/>
-                </a:pPr>
-                <a:endParaRPr/>
-              </a:p>
-            </p:txBody>
-          </p:sp>
-          <p:sp>
-            <p:nvSpPr>
-              <p:cNvPr id="77" name="Google Shape;77;p5"/>
-              <p:cNvSpPr/>
-              <p:nvPr/>
-            </p:nvSpPr>
-            <p:spPr>
-              <a:xfrm>
-                <a:off x="4749366" y="330075"/>
-                <a:ext cx="1699500" cy="1699500"/>
-              </a:xfrm>
-              <a:prstGeom prst="rtTriangle">
-                <a:avLst/>
-              </a:prstGeom>
-              <a:solidFill>
-                <a:srgbClr val="FF9800"/>
-              </a:solidFill>
-              <a:ln>
-                <a:noFill/>
-              </a:ln>
-            </p:spPr>
-            <p:txBody>
-              <a:bodyPr spcFirstLastPara="1" wrap="square" lIns="91425" tIns="91425" rIns="91425" bIns="91425" anchor="ctr" anchorCtr="0">
-                <a:noAutofit/>
-              </a:bodyPr>
-              <a:lstStyle/>
-              <a:p>
-                <a:pPr marL="0" lvl="0" indent="0" algn="l" rtl="0">
-                  <a:spcBef>
-                    <a:spcPts val="0"/>
-                  </a:spcBef>
-                  <a:spcAft>
-                    <a:spcPts val="0"/>
-                  </a:spcAft>
-                  <a:buNone/>
-                </a:pPr>
-                <a:endParaRPr/>
-              </a:p>
-            </p:txBody>
-          </p:sp>
-        </p:grpSp>
-      </p:grpSp>
-      <p:sp>
-        <p:nvSpPr>
-          <p:cNvPr id="78" name="Google Shape;78;p5"/>
-          <p:cNvSpPr txBox="1">
-            <a:spLocks noGrp="1"/>
-          </p:cNvSpPr>
-          <p:nvPr>
-            <p:ph type="title"/>
-          </p:nvPr>
-        </p:nvSpPr>
-        <p:spPr>
-          <a:xfrm>
-            <a:off x="814275" y="392575"/>
-            <a:ext cx="5492400" cy="766200"/>
-          </a:xfrm>
-          <a:prstGeom prst="rect">
-            <a:avLst/>
-          </a:prstGeom>
-        </p:spPr>
-        <p:txBody>
-          <a:bodyPr spcFirstLastPara="1" wrap="square" lIns="91425" tIns="91425" rIns="91425" bIns="91425" anchor="ctr" anchorCtr="0"/>
-          <a:lstStyle>
-            <a:lvl1pPr lvl="0">
-              <a:spcBef>
-                <a:spcPts val="0"/>
-              </a:spcBef>
-              <a:spcAft>
-                <a:spcPts val="0"/>
-              </a:spcAft>
-              <a:buSzPts val="2000"/>
-              <a:buNone/>
-              <a:defRPr/>
-            </a:lvl1pPr>
-            <a:lvl2pPr lvl="1">
-              <a:spcBef>
-                <a:spcPts val="0"/>
-              </a:spcBef>
-              <a:spcAft>
-                <a:spcPts val="0"/>
-              </a:spcAft>
-              <a:buSzPts val="2000"/>
-              <a:buNone/>
-              <a:defRPr/>
-            </a:lvl2pPr>
-            <a:lvl3pPr lvl="2">
-              <a:spcBef>
-                <a:spcPts val="0"/>
-              </a:spcBef>
-              <a:spcAft>
-                <a:spcPts val="0"/>
-              </a:spcAft>
-              <a:buSzPts val="2000"/>
-              <a:buNone/>
-              <a:defRPr/>
-            </a:lvl3pPr>
-            <a:lvl4pPr lvl="3">
-              <a:spcBef>
-                <a:spcPts val="0"/>
-              </a:spcBef>
-              <a:spcAft>
-                <a:spcPts val="0"/>
-              </a:spcAft>
-              <a:buSzPts val="2000"/>
-              <a:buNone/>
-              <a:defRPr/>
-            </a:lvl4pPr>
-            <a:lvl5pPr lvl="4">
-              <a:spcBef>
-                <a:spcPts val="0"/>
-              </a:spcBef>
-              <a:spcAft>
-                <a:spcPts val="0"/>
-              </a:spcAft>
-              <a:buSzPts val="2000"/>
-              <a:buNone/>
-              <a:defRPr/>
-            </a:lvl5pPr>
-            <a:lvl6pPr lvl="5">
-              <a:spcBef>
-                <a:spcPts val="0"/>
-              </a:spcBef>
-              <a:spcAft>
-                <a:spcPts val="0"/>
-              </a:spcAft>
-              <a:buSzPts val="2000"/>
-              <a:buNone/>
-              <a:defRPr/>
-            </a:lvl6pPr>
-            <a:lvl7pPr lvl="6">
-              <a:spcBef>
-                <a:spcPts val="0"/>
-              </a:spcBef>
-              <a:spcAft>
-                <a:spcPts val="0"/>
-              </a:spcAft>
-              <a:buSzPts val="2000"/>
-              <a:buNone/>
-              <a:defRPr/>
-            </a:lvl7pPr>
-            <a:lvl8pPr lvl="7">
-              <a:spcBef>
-                <a:spcPts val="0"/>
-              </a:spcBef>
-              <a:spcAft>
-                <a:spcPts val="0"/>
-              </a:spcAft>
-              <a:buSzPts val="2000"/>
-              <a:buNone/>
-              <a:defRPr/>
-            </a:lvl8pPr>
-            <a:lvl9pPr lvl="8">
-              <a:spcBef>
-                <a:spcPts val="0"/>
-              </a:spcBef>
-              <a:spcAft>
-                <a:spcPts val="0"/>
-              </a:spcAft>
-              <a:buSzPts val="2000"/>
-              <a:buNone/>
-              <a:defRPr/>
-            </a:lvl9pPr>
-          </a:lstStyle>
-          <a:p>
-            <a:endParaRPr/>
-          </a:p>
-        </p:txBody>
-      </p:sp>
-      <p:sp>
-        <p:nvSpPr>
-          <p:cNvPr id="79" name="Google Shape;79;p5"/>
-          <p:cNvSpPr txBox="1">
-            <a:spLocks noGrp="1"/>
-          </p:cNvSpPr>
-          <p:nvPr>
-            <p:ph type="body" idx="1"/>
-          </p:nvPr>
-        </p:nvSpPr>
-        <p:spPr>
-          <a:xfrm>
-            <a:off x="814275" y="1327350"/>
-            <a:ext cx="6132600" cy="3145500"/>
-          </a:xfrm>
-          <a:prstGeom prst="rect">
-            <a:avLst/>
-          </a:prstGeom>
-        </p:spPr>
-        <p:txBody>
-          <a:bodyPr spcFirstLastPara="1" wrap="square" lIns="91425" tIns="91425" rIns="91425" bIns="91425" anchor="ctr" anchorCtr="0"/>
-          <a:lstStyle>
-            <a:lvl1pPr marL="457200" lvl="0" indent="-381000">
-              <a:spcBef>
-                <a:spcPts val="600"/>
-              </a:spcBef>
-              <a:spcAft>
-                <a:spcPts val="0"/>
-              </a:spcAft>
-              <a:buSzPts val="2400"/>
-              <a:buChar char="▰"/>
-              <a:defRPr/>
-            </a:lvl1pPr>
-            <a:lvl2pPr marL="914400" lvl="1" indent="-381000">
-              <a:spcBef>
-                <a:spcPts val="1000"/>
-              </a:spcBef>
-              <a:spcAft>
-                <a:spcPts val="0"/>
-              </a:spcAft>
-              <a:buSzPts val="2400"/>
-              <a:buChar char="▻"/>
-              <a:defRPr/>
-            </a:lvl2pPr>
-            <a:lvl3pPr marL="1371600" lvl="2" indent="-381000">
-              <a:spcBef>
-                <a:spcPts val="1000"/>
-              </a:spcBef>
-              <a:spcAft>
-                <a:spcPts val="0"/>
-              </a:spcAft>
-              <a:buSzPts val="2400"/>
-              <a:buChar char="▻"/>
-              <a:defRPr/>
-            </a:lvl3pPr>
-            <a:lvl4pPr marL="1828800" lvl="3" indent="-381000">
-              <a:spcBef>
-                <a:spcPts val="1000"/>
-              </a:spcBef>
-              <a:spcAft>
-                <a:spcPts val="0"/>
-              </a:spcAft>
-              <a:buSzPts val="2400"/>
-              <a:buChar char="▻"/>
-              <a:defRPr/>
-            </a:lvl4pPr>
-            <a:lvl5pPr marL="2286000" lvl="4" indent="-381000">
-              <a:spcBef>
-                <a:spcPts val="1000"/>
-              </a:spcBef>
-              <a:spcAft>
-                <a:spcPts val="0"/>
-              </a:spcAft>
-              <a:buSzPts val="2400"/>
-              <a:buChar char="▻"/>
-              <a:defRPr/>
-            </a:lvl5pPr>
-            <a:lvl6pPr marL="2743200" lvl="5" indent="-381000">
-              <a:spcBef>
-                <a:spcPts val="1000"/>
-              </a:spcBef>
-              <a:spcAft>
-                <a:spcPts val="0"/>
-              </a:spcAft>
-              <a:buSzPts val="2400"/>
-              <a:buChar char="▻"/>
-              <a:defRPr/>
-            </a:lvl6pPr>
-            <a:lvl7pPr marL="3200400" lvl="6" indent="-381000">
-              <a:spcBef>
-                <a:spcPts val="1000"/>
-              </a:spcBef>
-              <a:spcAft>
-                <a:spcPts val="0"/>
-              </a:spcAft>
-              <a:buSzPts val="2400"/>
-              <a:buChar char="▻"/>
-              <a:defRPr/>
-            </a:lvl7pPr>
-            <a:lvl8pPr marL="3657600" lvl="7" indent="-381000">
-              <a:spcBef>
-                <a:spcPts val="1000"/>
-              </a:spcBef>
-              <a:spcAft>
-                <a:spcPts val="0"/>
-              </a:spcAft>
-              <a:buSzPts val="2400"/>
-              <a:buChar char="▻"/>
-              <a:defRPr/>
-            </a:lvl8pPr>
-            <a:lvl9pPr marL="4114800" lvl="8" indent="-381000">
-              <a:spcBef>
-                <a:spcPts val="1000"/>
-              </a:spcBef>
-              <a:spcAft>
-                <a:spcPts val="1000"/>
-              </a:spcAft>
-              <a:buSzPts val="2400"/>
-              <a:buChar char="▻"/>
-              <a:defRPr/>
-            </a:lvl9pPr>
-          </a:lstStyle>
-          <a:p>
-            <a:endParaRPr/>
-          </a:p>
-        </p:txBody>
-      </p:sp>
-      <p:sp>
-        <p:nvSpPr>
-          <p:cNvPr id="80" name="Google Shape;80;p5"/>
-          <p:cNvSpPr txBox="1">
-            <a:spLocks noGrp="1"/>
-          </p:cNvSpPr>
-          <p:nvPr>
-            <p:ph type="sldNum" idx="12"/>
-          </p:nvPr>
-        </p:nvSpPr>
-        <p:spPr>
-          <a:xfrm>
-            <a:off x="7618000" y="4636500"/>
-            <a:ext cx="1487400" cy="315600"/>
-          </a:xfrm>
-          <a:prstGeom prst="rect">
-            <a:avLst/>
-          </a:prstGeom>
-        </p:spPr>
-        <p:txBody>
-          <a:bodyPr spcFirstLastPara="1" wrap="square" lIns="91425" tIns="91425" rIns="91425" bIns="91425" anchor="ctr" anchorCtr="0">
-            <a:noAutofit/>
-          </a:bodyPr>
-          <a:lstStyle>
-            <a:lvl1pPr lvl="0">
-              <a:buNone/>
-              <a:defRPr/>
-            </a:lvl1pPr>
-            <a:lvl2pPr lvl="1">
-              <a:buNone/>
-              <a:defRPr/>
-            </a:lvl2pPr>
-            <a:lvl3pPr lvl="2">
-              <a:buNone/>
-              <a:defRPr/>
-            </a:lvl3pPr>
-            <a:lvl4pPr lvl="3">
-              <a:buNone/>
-              <a:defRPr/>
-            </a:lvl4pPr>
-            <a:lvl5pPr lvl="4">
-              <a:buNone/>
-              <a:defRPr/>
-            </a:lvl5pPr>
-            <a:lvl6pPr lvl="5">
-              <a:buNone/>
-              <a:defRPr/>
-            </a:lvl6pPr>
-            <a:lvl7pPr lvl="6">
-              <a:buNone/>
-              <a:defRPr/>
-            </a:lvl7pPr>
-            <a:lvl8pPr lvl="7">
-              <a:buNone/>
-              <a:defRPr/>
-            </a:lvl8pPr>
-            <a:lvl9pPr lvl="8">
-              <a:buNone/>
-              <a:defRPr/>
-            </a:lvl9pPr>
-          </a:lstStyle>
-          <a:p>
-            <a:pPr marL="0" lvl="0" indent="0" algn="r" rtl="0">
-              <a:spcBef>
-                <a:spcPts val="0"/>
-              </a:spcBef>
-              <a:spcAft>
-                <a:spcPts val="0"/>
-              </a:spcAft>
-              <a:buNone/>
-            </a:pPr>
-            <a:fld id="{00000000-1234-1234-1234-123412341234}" type="slidenum">
-              <a:rPr lang="en"/>
-              <a:t>‹#›</a:t>
-            </a:fld>
-            <a:endParaRPr/>
-          </a:p>
-        </p:txBody>
-      </p:sp>
-    </p:spTree>
-  </p:cSld>
-  <p:clrMapOvr>
-    <a:masterClrMapping/>
-  </p:clrMapOvr>
-</p:sldLayout>
-</file>
-
-<file path=ppt/slideLayouts/slideLayout4.xml><?xml version="1.0" encoding="utf-8"?>
 <p:sldLayout xmlns:a="http://schemas.openxmlformats.org/drawingml/2006/main" xmlns:r="http://schemas.openxmlformats.org/officeDocument/2006/relationships" xmlns:p="http://schemas.openxmlformats.org/presentationml/2006/main" matchingName="Blank" type="blank">
   <p:cSld name="Blank">
     <p:spTree>
@@ -5099,7 +3049,7 @@
 </p:sldLayout>
 </file>
 
-<file path=ppt/slideLayouts/slideLayout5.xml><?xml version="1.0" encoding="utf-8"?>
+<file path=ppt/slideLayouts/slideLayout4.xml><?xml version="1.0" encoding="utf-8"?>
 <p:sldLayout xmlns:a="http://schemas.openxmlformats.org/drawingml/2006/main" xmlns:r="http://schemas.openxmlformats.org/officeDocument/2006/relationships" xmlns:p="http://schemas.openxmlformats.org/presentationml/2006/main" matchingName="Blank" preserve="1" userDrawn="1">
   <p:cSld name="1_Blank">
     <p:spTree>
@@ -6016,7 +3966,7 @@
 </p:sldLayout>
 </file>
 
-<file path=ppt/slideLayouts/slideLayout6.xml><?xml version="1.0" encoding="utf-8"?>
+<file path=ppt/slideLayouts/slideLayout5.xml><?xml version="1.0" encoding="utf-8"?>
 <p:sldLayout xmlns:a="http://schemas.openxmlformats.org/drawingml/2006/main" xmlns:r="http://schemas.openxmlformats.org/officeDocument/2006/relationships" xmlns:p="http://schemas.openxmlformats.org/presentationml/2006/main" matchingName="Blank" preserve="1" userDrawn="1">
   <p:cSld name="1_Blank">
     <p:spTree>
@@ -7066,7 +5016,7 @@
 </p:sldLayout>
 </file>
 
-<file path=ppt/slideLayouts/slideLayout7.xml><?xml version="1.0" encoding="utf-8"?>
+<file path=ppt/slideLayouts/slideLayout6.xml><?xml version="1.0" encoding="utf-8"?>
 <p:sldLayout xmlns:a="http://schemas.openxmlformats.org/drawingml/2006/main" xmlns:r="http://schemas.openxmlformats.org/officeDocument/2006/relationships" xmlns:p="http://schemas.openxmlformats.org/presentationml/2006/main" matchingName="Blank" preserve="1" userDrawn="1">
   <p:cSld name="1_Blank">
     <p:spTree>
@@ -7999,7 +5949,7 @@
 </p:sldLayout>
 </file>
 
-<file path=ppt/slideLayouts/slideLayout8.xml><?xml version="1.0" encoding="utf-8"?>
+<file path=ppt/slideLayouts/slideLayout7.xml><?xml version="1.0" encoding="utf-8"?>
 <p:sldLayout xmlns:a="http://schemas.openxmlformats.org/drawingml/2006/main" xmlns:r="http://schemas.openxmlformats.org/officeDocument/2006/relationships" xmlns:p="http://schemas.openxmlformats.org/presentationml/2006/main" matchingName="Blank" preserve="1" userDrawn="1">
   <p:cSld name="1_Blank">
     <p:spTree>
@@ -9065,7 +7015,7 @@
 </p:sldLayout>
 </file>
 
-<file path=ppt/slideLayouts/slideLayout9.xml><?xml version="1.0" encoding="utf-8"?>
+<file path=ppt/slideLayouts/slideLayout8.xml><?xml version="1.0" encoding="utf-8"?>
 <p:sldLayout xmlns:a="http://schemas.openxmlformats.org/drawingml/2006/main" xmlns:r="http://schemas.openxmlformats.org/officeDocument/2006/relationships" xmlns:p="http://schemas.openxmlformats.org/presentationml/2006/main" matchingName="Blank" preserve="1" userDrawn="1">
   <p:cSld name="1_Blank">
     <p:spTree>
@@ -10131,6 +8081,1189 @@
 </p:sldLayout>
 </file>
 
+<file path=ppt/slideLayouts/slideLayout9.xml><?xml version="1.0" encoding="utf-8"?>
+<p:sldLayout xmlns:a="http://schemas.openxmlformats.org/drawingml/2006/main" xmlns:r="http://schemas.openxmlformats.org/officeDocument/2006/relationships" xmlns:p="http://schemas.openxmlformats.org/presentationml/2006/main" matchingName="Blank" preserve="1" userDrawn="1">
+  <p:cSld name="1_Blank">
+    <p:spTree>
+      <p:nvGrpSpPr>
+        <p:cNvPr id="1" name="Shape 162"/>
+        <p:cNvGrpSpPr/>
+        <p:nvPr/>
+      </p:nvGrpSpPr>
+      <p:grpSpPr>
+        <a:xfrm>
+          <a:off x="0" y="0"/>
+          <a:ext cx="0" cy="0"/>
+          <a:chOff x="0" y="0"/>
+          <a:chExt cx="0" cy="0"/>
+        </a:xfrm>
+      </p:grpSpPr>
+      <p:sp>
+        <p:nvSpPr>
+          <p:cNvPr id="163" name="Google Shape;163;p10"/>
+          <p:cNvSpPr txBox="1">
+            <a:spLocks noGrp="1"/>
+          </p:cNvSpPr>
+          <p:nvPr>
+            <p:ph type="sldNum" idx="12"/>
+          </p:nvPr>
+        </p:nvSpPr>
+        <p:spPr>
+          <a:xfrm>
+            <a:off x="7618000" y="4636500"/>
+            <a:ext cx="1487400" cy="315600"/>
+          </a:xfrm>
+          <a:prstGeom prst="rect">
+            <a:avLst/>
+          </a:prstGeom>
+        </p:spPr>
+        <p:txBody>
+          <a:bodyPr spcFirstLastPara="1" wrap="square" lIns="91425" tIns="91425" rIns="91425" bIns="91425" anchor="ctr" anchorCtr="0">
+            <a:noAutofit/>
+          </a:bodyPr>
+          <a:lstStyle>
+            <a:lvl1pPr lvl="0">
+              <a:buNone/>
+              <a:defRPr/>
+            </a:lvl1pPr>
+            <a:lvl2pPr lvl="1">
+              <a:buNone/>
+              <a:defRPr/>
+            </a:lvl2pPr>
+            <a:lvl3pPr lvl="2">
+              <a:buNone/>
+              <a:defRPr/>
+            </a:lvl3pPr>
+            <a:lvl4pPr lvl="3">
+              <a:buNone/>
+              <a:defRPr/>
+            </a:lvl4pPr>
+            <a:lvl5pPr lvl="4">
+              <a:buNone/>
+              <a:defRPr/>
+            </a:lvl5pPr>
+            <a:lvl6pPr lvl="5">
+              <a:buNone/>
+              <a:defRPr/>
+            </a:lvl6pPr>
+            <a:lvl7pPr lvl="6">
+              <a:buNone/>
+              <a:defRPr/>
+            </a:lvl7pPr>
+            <a:lvl8pPr lvl="7">
+              <a:buNone/>
+              <a:defRPr/>
+            </a:lvl8pPr>
+            <a:lvl9pPr lvl="8">
+              <a:buNone/>
+              <a:defRPr/>
+            </a:lvl9pPr>
+          </a:lstStyle>
+          <a:p>
+            <a:pPr marL="0" lvl="0" indent="0" algn="r" rtl="0">
+              <a:spcBef>
+                <a:spcPts val="0"/>
+              </a:spcBef>
+              <a:spcAft>
+                <a:spcPts val="0"/>
+              </a:spcAft>
+              <a:buNone/>
+            </a:pPr>
+            <a:fld id="{00000000-1234-1234-1234-123412341234}" type="slidenum">
+              <a:rPr lang="en"/>
+              <a:t>‹#›</a:t>
+            </a:fld>
+            <a:endParaRPr/>
+          </a:p>
+        </p:txBody>
+      </p:sp>
+      <p:grpSp>
+        <p:nvGrpSpPr>
+          <p:cNvPr id="164" name="Google Shape;164;p10"/>
+          <p:cNvGrpSpPr/>
+          <p:nvPr/>
+        </p:nvGrpSpPr>
+        <p:grpSpPr>
+          <a:xfrm>
+            <a:off x="6946842" y="4472723"/>
+            <a:ext cx="2202830" cy="670795"/>
+            <a:chOff x="5575242" y="4472723"/>
+            <a:chExt cx="2202830" cy="670795"/>
+          </a:xfrm>
+        </p:grpSpPr>
+        <p:sp>
+          <p:nvSpPr>
+            <p:cNvPr id="165" name="Google Shape;165;p10"/>
+            <p:cNvSpPr/>
+            <p:nvPr/>
+          </p:nvSpPr>
+          <p:spPr>
+            <a:xfrm rot="10800000">
+              <a:off x="5575242" y="4948334"/>
+              <a:ext cx="394200" cy="131400"/>
+            </a:xfrm>
+            <a:prstGeom prst="triangle">
+              <a:avLst>
+                <a:gd name="adj" fmla="val 32425"/>
+              </a:avLst>
+            </a:prstGeom>
+            <a:solidFill>
+              <a:srgbClr val="D26F00"/>
+            </a:solidFill>
+            <a:ln>
+              <a:noFill/>
+            </a:ln>
+          </p:spPr>
+          <p:txBody>
+            <a:bodyPr spcFirstLastPara="1" wrap="square" lIns="91425" tIns="91425" rIns="91425" bIns="91425" anchor="ctr" anchorCtr="0">
+              <a:noAutofit/>
+            </a:bodyPr>
+            <a:lstStyle/>
+            <a:p>
+              <a:pPr marL="0" lvl="0" indent="0" algn="l" rtl="0">
+                <a:spcBef>
+                  <a:spcPts val="0"/>
+                </a:spcBef>
+                <a:spcAft>
+                  <a:spcPts val="0"/>
+                </a:spcAft>
+                <a:buNone/>
+              </a:pPr>
+              <a:endParaRPr/>
+            </a:p>
+          </p:txBody>
+        </p:sp>
+        <p:grpSp>
+          <p:nvGrpSpPr>
+            <p:cNvPr id="166" name="Google Shape;166;p10"/>
+            <p:cNvGrpSpPr/>
+            <p:nvPr/>
+          </p:nvGrpSpPr>
+          <p:grpSpPr>
+            <a:xfrm flipH="1">
+              <a:off x="5734850" y="4472723"/>
+              <a:ext cx="2040837" cy="670795"/>
+              <a:chOff x="1297954" y="330075"/>
+              <a:chExt cx="5169293" cy="1699506"/>
+            </a:xfrm>
+          </p:grpSpPr>
+          <p:sp>
+            <p:nvSpPr>
+              <p:cNvPr id="167" name="Google Shape;167;p10"/>
+              <p:cNvSpPr/>
+              <p:nvPr/>
+            </p:nvSpPr>
+            <p:spPr>
+              <a:xfrm>
+                <a:off x="1297954" y="330081"/>
+                <a:ext cx="3476700" cy="1699500"/>
+              </a:xfrm>
+              <a:prstGeom prst="rect">
+                <a:avLst/>
+              </a:prstGeom>
+              <a:solidFill>
+                <a:srgbClr val="C7D3E6"/>
+              </a:solidFill>
+              <a:ln>
+                <a:noFill/>
+              </a:ln>
+            </p:spPr>
+            <p:txBody>
+              <a:bodyPr spcFirstLastPara="1" wrap="square" lIns="91425" tIns="91425" rIns="91425" bIns="91425" anchor="ctr" anchorCtr="0">
+                <a:noAutofit/>
+              </a:bodyPr>
+              <a:lstStyle/>
+              <a:p>
+                <a:pPr marL="0" lvl="0" indent="0" algn="l" rtl="0">
+                  <a:spcBef>
+                    <a:spcPts val="0"/>
+                  </a:spcBef>
+                  <a:spcAft>
+                    <a:spcPts val="0"/>
+                  </a:spcAft>
+                  <a:buNone/>
+                </a:pPr>
+                <a:endParaRPr/>
+              </a:p>
+            </p:txBody>
+          </p:sp>
+          <p:sp>
+            <p:nvSpPr>
+              <p:cNvPr id="168" name="Google Shape;168;p10"/>
+              <p:cNvSpPr/>
+              <p:nvPr/>
+            </p:nvSpPr>
+            <p:spPr>
+              <a:xfrm>
+                <a:off x="4767747" y="330075"/>
+                <a:ext cx="1699500" cy="1699500"/>
+              </a:xfrm>
+              <a:prstGeom prst="rtTriangle">
+                <a:avLst/>
+              </a:prstGeom>
+              <a:solidFill>
+                <a:srgbClr val="C7D3E6"/>
+              </a:solidFill>
+              <a:ln>
+                <a:noFill/>
+              </a:ln>
+            </p:spPr>
+            <p:txBody>
+              <a:bodyPr spcFirstLastPara="1" wrap="square" lIns="91425" tIns="91425" rIns="91425" bIns="91425" anchor="ctr" anchorCtr="0">
+                <a:noAutofit/>
+              </a:bodyPr>
+              <a:lstStyle/>
+              <a:p>
+                <a:pPr marL="0" lvl="0" indent="0" algn="l" rtl="0">
+                  <a:spcBef>
+                    <a:spcPts val="0"/>
+                  </a:spcBef>
+                  <a:spcAft>
+                    <a:spcPts val="0"/>
+                  </a:spcAft>
+                  <a:buNone/>
+                </a:pPr>
+                <a:endParaRPr/>
+              </a:p>
+            </p:txBody>
+          </p:sp>
+        </p:grpSp>
+        <p:grpSp>
+          <p:nvGrpSpPr>
+            <p:cNvPr id="169" name="Google Shape;169;p10"/>
+            <p:cNvGrpSpPr/>
+            <p:nvPr/>
+          </p:nvGrpSpPr>
+          <p:grpSpPr>
+            <a:xfrm flipH="1">
+              <a:off x="5578209" y="4646738"/>
+              <a:ext cx="2199863" cy="304563"/>
+              <a:chOff x="-5827153" y="330075"/>
+              <a:chExt cx="12276019" cy="1699569"/>
+            </a:xfrm>
+          </p:grpSpPr>
+          <p:sp>
+            <p:nvSpPr>
+              <p:cNvPr id="170" name="Google Shape;170;p10"/>
+              <p:cNvSpPr/>
+              <p:nvPr/>
+            </p:nvSpPr>
+            <p:spPr>
+              <a:xfrm>
+                <a:off x="-5827153" y="330144"/>
+                <a:ext cx="10612200" cy="1699500"/>
+              </a:xfrm>
+              <a:prstGeom prst="rect">
+                <a:avLst/>
+              </a:prstGeom>
+              <a:solidFill>
+                <a:srgbClr val="FF9800"/>
+              </a:solidFill>
+              <a:ln>
+                <a:noFill/>
+              </a:ln>
+            </p:spPr>
+            <p:txBody>
+              <a:bodyPr spcFirstLastPara="1" wrap="square" lIns="91425" tIns="91425" rIns="91425" bIns="91425" anchor="ctr" anchorCtr="0">
+                <a:noAutofit/>
+              </a:bodyPr>
+              <a:lstStyle/>
+              <a:p>
+                <a:pPr marL="0" lvl="0" indent="0" algn="l" rtl="0">
+                  <a:spcBef>
+                    <a:spcPts val="0"/>
+                  </a:spcBef>
+                  <a:spcAft>
+                    <a:spcPts val="0"/>
+                  </a:spcAft>
+                  <a:buNone/>
+                </a:pPr>
+                <a:endParaRPr/>
+              </a:p>
+            </p:txBody>
+          </p:sp>
+          <p:sp>
+            <p:nvSpPr>
+              <p:cNvPr id="171" name="Google Shape;171;p10"/>
+              <p:cNvSpPr/>
+              <p:nvPr/>
+            </p:nvSpPr>
+            <p:spPr>
+              <a:xfrm>
+                <a:off x="4749366" y="330075"/>
+                <a:ext cx="1699500" cy="1699500"/>
+              </a:xfrm>
+              <a:prstGeom prst="rtTriangle">
+                <a:avLst/>
+              </a:prstGeom>
+              <a:solidFill>
+                <a:srgbClr val="FF9800"/>
+              </a:solidFill>
+              <a:ln>
+                <a:noFill/>
+              </a:ln>
+            </p:spPr>
+            <p:txBody>
+              <a:bodyPr spcFirstLastPara="1" wrap="square" lIns="91425" tIns="91425" rIns="91425" bIns="91425" anchor="ctr" anchorCtr="0">
+                <a:noAutofit/>
+              </a:bodyPr>
+              <a:lstStyle/>
+              <a:p>
+                <a:pPr marL="0" lvl="0" indent="0" algn="l" rtl="0">
+                  <a:spcBef>
+                    <a:spcPts val="0"/>
+                  </a:spcBef>
+                  <a:spcAft>
+                    <a:spcPts val="0"/>
+                  </a:spcAft>
+                  <a:buNone/>
+                </a:pPr>
+                <a:endParaRPr/>
+              </a:p>
+            </p:txBody>
+          </p:sp>
+        </p:grpSp>
+      </p:grpSp>
+      <p:sp>
+        <p:nvSpPr>
+          <p:cNvPr id="19" name="Google Shape;79;p5">
+            <a:extLst>
+              <a:ext uri="{FF2B5EF4-FFF2-40B4-BE49-F238E27FC236}">
+                <a16:creationId xmlns:a16="http://schemas.microsoft.com/office/drawing/2014/main" id="{C158645B-7908-4698-B29A-BD4E402A9E17}"/>
+              </a:ext>
+            </a:extLst>
+          </p:cNvPr>
+          <p:cNvSpPr txBox="1">
+            <a:spLocks noGrp="1"/>
+          </p:cNvSpPr>
+          <p:nvPr>
+            <p:ph type="body" idx="1"/>
+          </p:nvPr>
+        </p:nvSpPr>
+        <p:spPr>
+          <a:xfrm>
+            <a:off x="458473" y="1634373"/>
+            <a:ext cx="3950162" cy="3012353"/>
+          </a:xfrm>
+          <a:prstGeom prst="rect">
+            <a:avLst/>
+          </a:prstGeom>
+        </p:spPr>
+        <p:txBody>
+          <a:bodyPr spcFirstLastPara="1" wrap="square" lIns="91425" tIns="91425" rIns="91425" bIns="91425" anchor="t" anchorCtr="0"/>
+          <a:lstStyle>
+            <a:lvl1pPr marL="457200" lvl="0" indent="-381000">
+              <a:spcBef>
+                <a:spcPts val="600"/>
+              </a:spcBef>
+              <a:spcAft>
+                <a:spcPts val="0"/>
+              </a:spcAft>
+              <a:buSzPts val="2400"/>
+              <a:buChar char="▰"/>
+              <a:defRPr sz="1400"/>
+            </a:lvl1pPr>
+            <a:lvl2pPr marL="914400" lvl="1" indent="-381000">
+              <a:spcBef>
+                <a:spcPts val="1000"/>
+              </a:spcBef>
+              <a:spcAft>
+                <a:spcPts val="0"/>
+              </a:spcAft>
+              <a:buSzPts val="2400"/>
+              <a:buChar char="▻"/>
+              <a:defRPr/>
+            </a:lvl2pPr>
+            <a:lvl3pPr marL="1371600" lvl="2" indent="-381000">
+              <a:spcBef>
+                <a:spcPts val="1000"/>
+              </a:spcBef>
+              <a:spcAft>
+                <a:spcPts val="0"/>
+              </a:spcAft>
+              <a:buSzPts val="2400"/>
+              <a:buChar char="▻"/>
+              <a:defRPr/>
+            </a:lvl3pPr>
+            <a:lvl4pPr marL="1828800" lvl="3" indent="-381000">
+              <a:spcBef>
+                <a:spcPts val="1000"/>
+              </a:spcBef>
+              <a:spcAft>
+                <a:spcPts val="0"/>
+              </a:spcAft>
+              <a:buSzPts val="2400"/>
+              <a:buChar char="▻"/>
+              <a:defRPr/>
+            </a:lvl4pPr>
+            <a:lvl5pPr marL="2286000" lvl="4" indent="-381000">
+              <a:spcBef>
+                <a:spcPts val="1000"/>
+              </a:spcBef>
+              <a:spcAft>
+                <a:spcPts val="0"/>
+              </a:spcAft>
+              <a:buSzPts val="2400"/>
+              <a:buChar char="▻"/>
+              <a:defRPr/>
+            </a:lvl5pPr>
+            <a:lvl6pPr marL="2743200" lvl="5" indent="-381000">
+              <a:spcBef>
+                <a:spcPts val="1000"/>
+              </a:spcBef>
+              <a:spcAft>
+                <a:spcPts val="0"/>
+              </a:spcAft>
+              <a:buSzPts val="2400"/>
+              <a:buChar char="▻"/>
+              <a:defRPr/>
+            </a:lvl6pPr>
+            <a:lvl7pPr marL="3200400" lvl="6" indent="-381000">
+              <a:spcBef>
+                <a:spcPts val="1000"/>
+              </a:spcBef>
+              <a:spcAft>
+                <a:spcPts val="0"/>
+              </a:spcAft>
+              <a:buSzPts val="2400"/>
+              <a:buChar char="▻"/>
+              <a:defRPr/>
+            </a:lvl7pPr>
+            <a:lvl8pPr marL="3657600" lvl="7" indent="-381000">
+              <a:spcBef>
+                <a:spcPts val="1000"/>
+              </a:spcBef>
+              <a:spcAft>
+                <a:spcPts val="0"/>
+              </a:spcAft>
+              <a:buSzPts val="2400"/>
+              <a:buChar char="▻"/>
+              <a:defRPr/>
+            </a:lvl8pPr>
+            <a:lvl9pPr marL="4114800" lvl="8" indent="-381000">
+              <a:spcBef>
+                <a:spcPts val="1000"/>
+              </a:spcBef>
+              <a:spcAft>
+                <a:spcPts val="1000"/>
+              </a:spcAft>
+              <a:buSzPts val="2400"/>
+              <a:buChar char="▻"/>
+              <a:defRPr/>
+            </a:lvl9pPr>
+          </a:lstStyle>
+          <a:p>
+            <a:endParaRPr dirty="0"/>
+          </a:p>
+        </p:txBody>
+      </p:sp>
+      <p:sp>
+        <p:nvSpPr>
+          <p:cNvPr id="21" name="Google Shape;79;p5">
+            <a:extLst>
+              <a:ext uri="{FF2B5EF4-FFF2-40B4-BE49-F238E27FC236}">
+                <a16:creationId xmlns:a16="http://schemas.microsoft.com/office/drawing/2014/main" id="{D187CDD8-77CC-44EC-9A35-0FF0C7AAD200}"/>
+              </a:ext>
+            </a:extLst>
+          </p:cNvPr>
+          <p:cNvSpPr txBox="1">
+            <a:spLocks noGrp="1"/>
+          </p:cNvSpPr>
+          <p:nvPr>
+            <p:ph type="body" idx="13"/>
+          </p:nvPr>
+        </p:nvSpPr>
+        <p:spPr>
+          <a:xfrm>
+            <a:off x="4772276" y="1634290"/>
+            <a:ext cx="3913252" cy="3012436"/>
+          </a:xfrm>
+          <a:prstGeom prst="rect">
+            <a:avLst/>
+          </a:prstGeom>
+        </p:spPr>
+        <p:txBody>
+          <a:bodyPr spcFirstLastPara="1" wrap="square" lIns="91425" tIns="91425" rIns="91425" bIns="91425" anchor="t" anchorCtr="0"/>
+          <a:lstStyle>
+            <a:lvl1pPr marL="457200" lvl="0" indent="-381000">
+              <a:spcBef>
+                <a:spcPts val="600"/>
+              </a:spcBef>
+              <a:spcAft>
+                <a:spcPts val="0"/>
+              </a:spcAft>
+              <a:buSzPts val="2400"/>
+              <a:buChar char="▰"/>
+              <a:defRPr sz="1400"/>
+            </a:lvl1pPr>
+            <a:lvl2pPr marL="914400" lvl="1" indent="-381000">
+              <a:spcBef>
+                <a:spcPts val="1000"/>
+              </a:spcBef>
+              <a:spcAft>
+                <a:spcPts val="0"/>
+              </a:spcAft>
+              <a:buSzPts val="2400"/>
+              <a:buChar char="▻"/>
+              <a:defRPr/>
+            </a:lvl2pPr>
+            <a:lvl3pPr marL="1371600" lvl="2" indent="-381000">
+              <a:spcBef>
+                <a:spcPts val="1000"/>
+              </a:spcBef>
+              <a:spcAft>
+                <a:spcPts val="0"/>
+              </a:spcAft>
+              <a:buSzPts val="2400"/>
+              <a:buChar char="▻"/>
+              <a:defRPr/>
+            </a:lvl3pPr>
+            <a:lvl4pPr marL="1828800" lvl="3" indent="-381000">
+              <a:spcBef>
+                <a:spcPts val="1000"/>
+              </a:spcBef>
+              <a:spcAft>
+                <a:spcPts val="0"/>
+              </a:spcAft>
+              <a:buSzPts val="2400"/>
+              <a:buChar char="▻"/>
+              <a:defRPr/>
+            </a:lvl4pPr>
+            <a:lvl5pPr marL="2286000" lvl="4" indent="-381000">
+              <a:spcBef>
+                <a:spcPts val="1000"/>
+              </a:spcBef>
+              <a:spcAft>
+                <a:spcPts val="0"/>
+              </a:spcAft>
+              <a:buSzPts val="2400"/>
+              <a:buChar char="▻"/>
+              <a:defRPr/>
+            </a:lvl5pPr>
+            <a:lvl6pPr marL="2743200" lvl="5" indent="-381000">
+              <a:spcBef>
+                <a:spcPts val="1000"/>
+              </a:spcBef>
+              <a:spcAft>
+                <a:spcPts val="0"/>
+              </a:spcAft>
+              <a:buSzPts val="2400"/>
+              <a:buChar char="▻"/>
+              <a:defRPr/>
+            </a:lvl6pPr>
+            <a:lvl7pPr marL="3200400" lvl="6" indent="-381000">
+              <a:spcBef>
+                <a:spcPts val="1000"/>
+              </a:spcBef>
+              <a:spcAft>
+                <a:spcPts val="0"/>
+              </a:spcAft>
+              <a:buSzPts val="2400"/>
+              <a:buChar char="▻"/>
+              <a:defRPr/>
+            </a:lvl7pPr>
+            <a:lvl8pPr marL="3657600" lvl="7" indent="-381000">
+              <a:spcBef>
+                <a:spcPts val="1000"/>
+              </a:spcBef>
+              <a:spcAft>
+                <a:spcPts val="0"/>
+              </a:spcAft>
+              <a:buSzPts val="2400"/>
+              <a:buChar char="▻"/>
+              <a:defRPr/>
+            </a:lvl8pPr>
+            <a:lvl9pPr marL="4114800" lvl="8" indent="-381000">
+              <a:spcBef>
+                <a:spcPts val="1000"/>
+              </a:spcBef>
+              <a:spcAft>
+                <a:spcPts val="1000"/>
+              </a:spcAft>
+              <a:buSzPts val="2400"/>
+              <a:buChar char="▻"/>
+              <a:defRPr/>
+            </a:lvl9pPr>
+          </a:lstStyle>
+          <a:p>
+            <a:endParaRPr dirty="0"/>
+          </a:p>
+        </p:txBody>
+      </p:sp>
+      <p:grpSp>
+        <p:nvGrpSpPr>
+          <p:cNvPr id="22" name="Google Shape;172;p10">
+            <a:extLst>
+              <a:ext uri="{FF2B5EF4-FFF2-40B4-BE49-F238E27FC236}">
+                <a16:creationId xmlns:a16="http://schemas.microsoft.com/office/drawing/2014/main" id="{75E22C34-0E30-4225-98FF-BF0216DB6D67}"/>
+              </a:ext>
+            </a:extLst>
+          </p:cNvPr>
+          <p:cNvGrpSpPr/>
+          <p:nvPr userDrawn="1"/>
+        </p:nvGrpSpPr>
+        <p:grpSpPr>
+          <a:xfrm rot="10800000">
+            <a:off x="-3288" y="-9"/>
+            <a:ext cx="6175488" cy="600370"/>
+            <a:chOff x="5575242" y="4472728"/>
+            <a:chExt cx="2202830" cy="670794"/>
+          </a:xfrm>
+        </p:grpSpPr>
+        <p:sp>
+          <p:nvSpPr>
+            <p:cNvPr id="23" name="Google Shape;173;p10">
+              <a:extLst>
+                <a:ext uri="{FF2B5EF4-FFF2-40B4-BE49-F238E27FC236}">
+                  <a16:creationId xmlns:a16="http://schemas.microsoft.com/office/drawing/2014/main" id="{57FC667F-3E34-4E20-9053-2A782AC27CF4}"/>
+                </a:ext>
+              </a:extLst>
+            </p:cNvPr>
+            <p:cNvSpPr/>
+            <p:nvPr/>
+          </p:nvSpPr>
+          <p:spPr>
+            <a:xfrm rot="10800000">
+              <a:off x="5575242" y="4948334"/>
+              <a:ext cx="394200" cy="131400"/>
+            </a:xfrm>
+            <a:prstGeom prst="triangle">
+              <a:avLst>
+                <a:gd name="adj" fmla="val 32425"/>
+              </a:avLst>
+            </a:prstGeom>
+            <a:solidFill>
+              <a:srgbClr val="263248"/>
+            </a:solidFill>
+            <a:ln>
+              <a:noFill/>
+            </a:ln>
+          </p:spPr>
+          <p:txBody>
+            <a:bodyPr spcFirstLastPara="1" wrap="square" lIns="91425" tIns="91425" rIns="91425" bIns="91425" anchor="ctr" anchorCtr="0">
+              <a:noAutofit/>
+            </a:bodyPr>
+            <a:lstStyle/>
+            <a:p>
+              <a:pPr marL="0" lvl="0" indent="0" algn="l" rtl="0">
+                <a:spcBef>
+                  <a:spcPts val="0"/>
+                </a:spcBef>
+                <a:spcAft>
+                  <a:spcPts val="0"/>
+                </a:spcAft>
+                <a:buNone/>
+              </a:pPr>
+              <a:endParaRPr/>
+            </a:p>
+          </p:txBody>
+        </p:sp>
+        <p:grpSp>
+          <p:nvGrpSpPr>
+            <p:cNvPr id="24" name="Google Shape;174;p10">
+              <a:extLst>
+                <a:ext uri="{FF2B5EF4-FFF2-40B4-BE49-F238E27FC236}">
+                  <a16:creationId xmlns:a16="http://schemas.microsoft.com/office/drawing/2014/main" id="{0B3BB4D6-0235-4277-8372-B15A47961DEF}"/>
+                </a:ext>
+              </a:extLst>
+            </p:cNvPr>
+            <p:cNvGrpSpPr/>
+            <p:nvPr/>
+          </p:nvGrpSpPr>
+          <p:grpSpPr>
+            <a:xfrm flipH="1">
+              <a:off x="5611893" y="4472728"/>
+              <a:ext cx="2163794" cy="670794"/>
+              <a:chOff x="1297953" y="330090"/>
+              <a:chExt cx="5480735" cy="1699502"/>
+            </a:xfrm>
+          </p:grpSpPr>
+          <p:sp>
+            <p:nvSpPr>
+              <p:cNvPr id="28" name="Google Shape;175;p10">
+                <a:extLst>
+                  <a:ext uri="{FF2B5EF4-FFF2-40B4-BE49-F238E27FC236}">
+                    <a16:creationId xmlns:a16="http://schemas.microsoft.com/office/drawing/2014/main" id="{06E96CE3-389A-41D6-AC88-391C1CD52D3D}"/>
+                  </a:ext>
+                </a:extLst>
+              </p:cNvPr>
+              <p:cNvSpPr/>
+              <p:nvPr/>
+            </p:nvSpPr>
+            <p:spPr>
+              <a:xfrm>
+                <a:off x="1297953" y="330090"/>
+                <a:ext cx="4914520" cy="1699500"/>
+              </a:xfrm>
+              <a:prstGeom prst="rect">
+                <a:avLst/>
+              </a:prstGeom>
+              <a:solidFill>
+                <a:srgbClr val="C7D3E6"/>
+              </a:solidFill>
+              <a:ln>
+                <a:noFill/>
+              </a:ln>
+            </p:spPr>
+            <p:txBody>
+              <a:bodyPr spcFirstLastPara="1" wrap="square" lIns="91425" tIns="91425" rIns="91425" bIns="91425" anchor="ctr" anchorCtr="0">
+                <a:noAutofit/>
+              </a:bodyPr>
+              <a:lstStyle/>
+              <a:p>
+                <a:pPr marL="0" lvl="0" indent="0" algn="l" rtl="0">
+                  <a:spcBef>
+                    <a:spcPts val="0"/>
+                  </a:spcBef>
+                  <a:spcAft>
+                    <a:spcPts val="0"/>
+                  </a:spcAft>
+                  <a:buNone/>
+                </a:pPr>
+                <a:endParaRPr/>
+              </a:p>
+            </p:txBody>
+          </p:sp>
+          <p:sp>
+            <p:nvSpPr>
+              <p:cNvPr id="29" name="Google Shape;176;p10">
+                <a:extLst>
+                  <a:ext uri="{FF2B5EF4-FFF2-40B4-BE49-F238E27FC236}">
+                    <a16:creationId xmlns:a16="http://schemas.microsoft.com/office/drawing/2014/main" id="{EA62C617-AFFE-4BC0-A44D-13FDB3788C2F}"/>
+                  </a:ext>
+                </a:extLst>
+              </p:cNvPr>
+              <p:cNvSpPr/>
+              <p:nvPr/>
+            </p:nvSpPr>
+            <p:spPr>
+              <a:xfrm>
+                <a:off x="6212473" y="330092"/>
+                <a:ext cx="566215" cy="1699500"/>
+              </a:xfrm>
+              <a:prstGeom prst="rtTriangle">
+                <a:avLst/>
+              </a:prstGeom>
+              <a:solidFill>
+                <a:srgbClr val="C7D3E6"/>
+              </a:solidFill>
+              <a:ln>
+                <a:noFill/>
+              </a:ln>
+            </p:spPr>
+            <p:txBody>
+              <a:bodyPr spcFirstLastPara="1" wrap="square" lIns="91425" tIns="91425" rIns="91425" bIns="91425" anchor="ctr" anchorCtr="0">
+                <a:noAutofit/>
+              </a:bodyPr>
+              <a:lstStyle/>
+              <a:p>
+                <a:pPr marL="0" lvl="0" indent="0" algn="l" rtl="0">
+                  <a:spcBef>
+                    <a:spcPts val="0"/>
+                  </a:spcBef>
+                  <a:spcAft>
+                    <a:spcPts val="0"/>
+                  </a:spcAft>
+                  <a:buNone/>
+                </a:pPr>
+                <a:endParaRPr/>
+              </a:p>
+            </p:txBody>
+          </p:sp>
+        </p:grpSp>
+        <p:grpSp>
+          <p:nvGrpSpPr>
+            <p:cNvPr id="25" name="Google Shape;177;p10">
+              <a:extLst>
+                <a:ext uri="{FF2B5EF4-FFF2-40B4-BE49-F238E27FC236}">
+                  <a16:creationId xmlns:a16="http://schemas.microsoft.com/office/drawing/2014/main" id="{7421F6D4-41AD-4407-81E9-BF4842CD211D}"/>
+                </a:ext>
+              </a:extLst>
+            </p:cNvPr>
+            <p:cNvGrpSpPr/>
+            <p:nvPr/>
+          </p:nvGrpSpPr>
+          <p:grpSpPr>
+            <a:xfrm flipH="1">
+              <a:off x="5578209" y="4646738"/>
+              <a:ext cx="2199863" cy="304566"/>
+              <a:chOff x="-5827153" y="330075"/>
+              <a:chExt cx="12276021" cy="1699582"/>
+            </a:xfrm>
+          </p:grpSpPr>
+          <p:sp>
+            <p:nvSpPr>
+              <p:cNvPr id="26" name="Google Shape;178;p10">
+                <a:extLst>
+                  <a:ext uri="{FF2B5EF4-FFF2-40B4-BE49-F238E27FC236}">
+                    <a16:creationId xmlns:a16="http://schemas.microsoft.com/office/drawing/2014/main" id="{0A43C0A8-788C-463B-895F-03E9B8220BBB}"/>
+                  </a:ext>
+                </a:extLst>
+              </p:cNvPr>
+              <p:cNvSpPr/>
+              <p:nvPr/>
+            </p:nvSpPr>
+            <p:spPr>
+              <a:xfrm>
+                <a:off x="-5827153" y="330157"/>
+                <a:ext cx="11641543" cy="1699500"/>
+              </a:xfrm>
+              <a:prstGeom prst="rect">
+                <a:avLst/>
+              </a:prstGeom>
+              <a:solidFill>
+                <a:srgbClr val="3F5378"/>
+              </a:solidFill>
+              <a:ln>
+                <a:noFill/>
+              </a:ln>
+            </p:spPr>
+            <p:txBody>
+              <a:bodyPr spcFirstLastPara="1" wrap="square" lIns="91425" tIns="91425" rIns="91425" bIns="91425" anchor="ctr" anchorCtr="0">
+                <a:noAutofit/>
+              </a:bodyPr>
+              <a:lstStyle/>
+              <a:p>
+                <a:pPr marL="0" lvl="0" indent="0" algn="l" rtl="0">
+                  <a:spcBef>
+                    <a:spcPts val="0"/>
+                  </a:spcBef>
+                  <a:spcAft>
+                    <a:spcPts val="0"/>
+                  </a:spcAft>
+                  <a:buNone/>
+                </a:pPr>
+                <a:endParaRPr/>
+              </a:p>
+            </p:txBody>
+          </p:sp>
+          <p:sp>
+            <p:nvSpPr>
+              <p:cNvPr id="27" name="Google Shape;179;p10">
+                <a:extLst>
+                  <a:ext uri="{FF2B5EF4-FFF2-40B4-BE49-F238E27FC236}">
+                    <a16:creationId xmlns:a16="http://schemas.microsoft.com/office/drawing/2014/main" id="{BAA01DF9-A09B-4CB1-A537-763DC96795F8}"/>
+                  </a:ext>
+                </a:extLst>
+              </p:cNvPr>
+              <p:cNvSpPr/>
+              <p:nvPr/>
+            </p:nvSpPr>
+            <p:spPr>
+              <a:xfrm>
+                <a:off x="5814393" y="330075"/>
+                <a:ext cx="634475" cy="1699500"/>
+              </a:xfrm>
+              <a:prstGeom prst="rtTriangle">
+                <a:avLst/>
+              </a:prstGeom>
+              <a:solidFill>
+                <a:srgbClr val="3F5378"/>
+              </a:solidFill>
+              <a:ln>
+                <a:noFill/>
+              </a:ln>
+            </p:spPr>
+            <p:txBody>
+              <a:bodyPr spcFirstLastPara="1" wrap="square" lIns="91425" tIns="91425" rIns="91425" bIns="91425" anchor="ctr" anchorCtr="0">
+                <a:noAutofit/>
+              </a:bodyPr>
+              <a:lstStyle/>
+              <a:p>
+                <a:pPr marL="0" lvl="0" indent="0" algn="l" rtl="0">
+                  <a:spcBef>
+                    <a:spcPts val="0"/>
+                  </a:spcBef>
+                  <a:spcAft>
+                    <a:spcPts val="0"/>
+                  </a:spcAft>
+                  <a:buNone/>
+                </a:pPr>
+                <a:endParaRPr/>
+              </a:p>
+            </p:txBody>
+          </p:sp>
+        </p:grpSp>
+      </p:grpSp>
+      <p:sp>
+        <p:nvSpPr>
+          <p:cNvPr id="30" name="Google Shape;98;p6">
+            <a:extLst>
+              <a:ext uri="{FF2B5EF4-FFF2-40B4-BE49-F238E27FC236}">
+                <a16:creationId xmlns:a16="http://schemas.microsoft.com/office/drawing/2014/main" id="{98711A4E-00A1-4E89-8063-A15D993ECFCD}"/>
+              </a:ext>
+            </a:extLst>
+          </p:cNvPr>
+          <p:cNvSpPr txBox="1">
+            <a:spLocks noGrp="1"/>
+          </p:cNvSpPr>
+          <p:nvPr>
+            <p:ph type="title"/>
+          </p:nvPr>
+        </p:nvSpPr>
+        <p:spPr>
+          <a:xfrm>
+            <a:off x="458471" y="178500"/>
+            <a:ext cx="5439369" cy="258157"/>
+          </a:xfrm>
+          <a:prstGeom prst="rect">
+            <a:avLst/>
+          </a:prstGeom>
+        </p:spPr>
+        <p:txBody>
+          <a:bodyPr spcFirstLastPara="1" wrap="square" lIns="91425" tIns="91425" rIns="91425" bIns="91425" anchor="ctr" anchorCtr="0"/>
+          <a:lstStyle>
+            <a:lvl1pPr lvl="0">
+              <a:spcBef>
+                <a:spcPts val="0"/>
+              </a:spcBef>
+              <a:spcAft>
+                <a:spcPts val="0"/>
+              </a:spcAft>
+              <a:buSzPts val="2000"/>
+              <a:buNone/>
+              <a:defRPr sz="1600"/>
+            </a:lvl1pPr>
+            <a:lvl2pPr lvl="1">
+              <a:spcBef>
+                <a:spcPts val="0"/>
+              </a:spcBef>
+              <a:spcAft>
+                <a:spcPts val="0"/>
+              </a:spcAft>
+              <a:buSzPts val="2000"/>
+              <a:buNone/>
+              <a:defRPr/>
+            </a:lvl2pPr>
+            <a:lvl3pPr lvl="2">
+              <a:spcBef>
+                <a:spcPts val="0"/>
+              </a:spcBef>
+              <a:spcAft>
+                <a:spcPts val="0"/>
+              </a:spcAft>
+              <a:buSzPts val="2000"/>
+              <a:buNone/>
+              <a:defRPr/>
+            </a:lvl3pPr>
+            <a:lvl4pPr lvl="3">
+              <a:spcBef>
+                <a:spcPts val="0"/>
+              </a:spcBef>
+              <a:spcAft>
+                <a:spcPts val="0"/>
+              </a:spcAft>
+              <a:buSzPts val="2000"/>
+              <a:buNone/>
+              <a:defRPr/>
+            </a:lvl4pPr>
+            <a:lvl5pPr lvl="4">
+              <a:spcBef>
+                <a:spcPts val="0"/>
+              </a:spcBef>
+              <a:spcAft>
+                <a:spcPts val="0"/>
+              </a:spcAft>
+              <a:buSzPts val="2000"/>
+              <a:buNone/>
+              <a:defRPr/>
+            </a:lvl5pPr>
+            <a:lvl6pPr lvl="5">
+              <a:spcBef>
+                <a:spcPts val="0"/>
+              </a:spcBef>
+              <a:spcAft>
+                <a:spcPts val="0"/>
+              </a:spcAft>
+              <a:buSzPts val="2000"/>
+              <a:buNone/>
+              <a:defRPr/>
+            </a:lvl6pPr>
+            <a:lvl7pPr lvl="6">
+              <a:spcBef>
+                <a:spcPts val="0"/>
+              </a:spcBef>
+              <a:spcAft>
+                <a:spcPts val="0"/>
+              </a:spcAft>
+              <a:buSzPts val="2000"/>
+              <a:buNone/>
+              <a:defRPr/>
+            </a:lvl7pPr>
+            <a:lvl8pPr lvl="7">
+              <a:spcBef>
+                <a:spcPts val="0"/>
+              </a:spcBef>
+              <a:spcAft>
+                <a:spcPts val="0"/>
+              </a:spcAft>
+              <a:buSzPts val="2000"/>
+              <a:buNone/>
+              <a:defRPr/>
+            </a:lvl8pPr>
+            <a:lvl9pPr lvl="8">
+              <a:spcBef>
+                <a:spcPts val="0"/>
+              </a:spcBef>
+              <a:spcAft>
+                <a:spcPts val="0"/>
+              </a:spcAft>
+              <a:buSzPts val="2000"/>
+              <a:buNone/>
+              <a:defRPr/>
+            </a:lvl9pPr>
+          </a:lstStyle>
+          <a:p>
+            <a:endParaRPr dirty="0"/>
+          </a:p>
+        </p:txBody>
+      </p:sp>
+      <p:sp>
+        <p:nvSpPr>
+          <p:cNvPr id="31" name="Google Shape;79;p5">
+            <a:extLst>
+              <a:ext uri="{FF2B5EF4-FFF2-40B4-BE49-F238E27FC236}">
+                <a16:creationId xmlns:a16="http://schemas.microsoft.com/office/drawing/2014/main" id="{7408B06A-A607-416C-8836-2D7C1A9516C1}"/>
+              </a:ext>
+            </a:extLst>
+          </p:cNvPr>
+          <p:cNvSpPr txBox="1">
+            <a:spLocks noGrp="1"/>
+          </p:cNvSpPr>
+          <p:nvPr>
+            <p:ph type="body" idx="14"/>
+          </p:nvPr>
+        </p:nvSpPr>
+        <p:spPr>
+          <a:xfrm>
+            <a:off x="461244" y="618719"/>
+            <a:ext cx="8224284" cy="841556"/>
+          </a:xfrm>
+          <a:prstGeom prst="rect">
+            <a:avLst/>
+          </a:prstGeom>
+        </p:spPr>
+        <p:txBody>
+          <a:bodyPr spcFirstLastPara="1" wrap="square" lIns="91425" tIns="91425" rIns="91425" bIns="91425" anchor="t" anchorCtr="0"/>
+          <a:lstStyle>
+            <a:lvl1pPr marL="457200" lvl="0" indent="-381000">
+              <a:spcBef>
+                <a:spcPts val="600"/>
+              </a:spcBef>
+              <a:spcAft>
+                <a:spcPts val="0"/>
+              </a:spcAft>
+              <a:buSzPts val="2400"/>
+              <a:buChar char="▰"/>
+              <a:defRPr sz="1400"/>
+            </a:lvl1pPr>
+            <a:lvl2pPr marL="914400" lvl="1" indent="-381000">
+              <a:spcBef>
+                <a:spcPts val="1000"/>
+              </a:spcBef>
+              <a:spcAft>
+                <a:spcPts val="0"/>
+              </a:spcAft>
+              <a:buSzPts val="2400"/>
+              <a:buChar char="▻"/>
+              <a:defRPr/>
+            </a:lvl2pPr>
+            <a:lvl3pPr marL="1371600" lvl="2" indent="-381000">
+              <a:spcBef>
+                <a:spcPts val="1000"/>
+              </a:spcBef>
+              <a:spcAft>
+                <a:spcPts val="0"/>
+              </a:spcAft>
+              <a:buSzPts val="2400"/>
+              <a:buChar char="▻"/>
+              <a:defRPr/>
+            </a:lvl3pPr>
+            <a:lvl4pPr marL="1828800" lvl="3" indent="-381000">
+              <a:spcBef>
+                <a:spcPts val="1000"/>
+              </a:spcBef>
+              <a:spcAft>
+                <a:spcPts val="0"/>
+              </a:spcAft>
+              <a:buSzPts val="2400"/>
+              <a:buChar char="▻"/>
+              <a:defRPr/>
+            </a:lvl4pPr>
+            <a:lvl5pPr marL="2286000" lvl="4" indent="-381000">
+              <a:spcBef>
+                <a:spcPts val="1000"/>
+              </a:spcBef>
+              <a:spcAft>
+                <a:spcPts val="0"/>
+              </a:spcAft>
+              <a:buSzPts val="2400"/>
+              <a:buChar char="▻"/>
+              <a:defRPr/>
+            </a:lvl5pPr>
+            <a:lvl6pPr marL="2743200" lvl="5" indent="-381000">
+              <a:spcBef>
+                <a:spcPts val="1000"/>
+              </a:spcBef>
+              <a:spcAft>
+                <a:spcPts val="0"/>
+              </a:spcAft>
+              <a:buSzPts val="2400"/>
+              <a:buChar char="▻"/>
+              <a:defRPr/>
+            </a:lvl6pPr>
+            <a:lvl7pPr marL="3200400" lvl="6" indent="-381000">
+              <a:spcBef>
+                <a:spcPts val="1000"/>
+              </a:spcBef>
+              <a:spcAft>
+                <a:spcPts val="0"/>
+              </a:spcAft>
+              <a:buSzPts val="2400"/>
+              <a:buChar char="▻"/>
+              <a:defRPr/>
+            </a:lvl7pPr>
+            <a:lvl8pPr marL="3657600" lvl="7" indent="-381000">
+              <a:spcBef>
+                <a:spcPts val="1000"/>
+              </a:spcBef>
+              <a:spcAft>
+                <a:spcPts val="0"/>
+              </a:spcAft>
+              <a:buSzPts val="2400"/>
+              <a:buChar char="▻"/>
+              <a:defRPr/>
+            </a:lvl8pPr>
+            <a:lvl9pPr marL="4114800" lvl="8" indent="-381000">
+              <a:spcBef>
+                <a:spcPts val="1000"/>
+              </a:spcBef>
+              <a:spcAft>
+                <a:spcPts val="1000"/>
+              </a:spcAft>
+              <a:buSzPts val="2400"/>
+              <a:buChar char="▻"/>
+              <a:defRPr/>
+            </a:lvl9pPr>
+          </a:lstStyle>
+          <a:p>
+            <a:endParaRPr dirty="0"/>
+          </a:p>
+        </p:txBody>
+      </p:sp>
+    </p:spTree>
+    <p:extLst>
+      <p:ext uri="{BB962C8B-B14F-4D97-AF65-F5344CB8AC3E}">
+        <p14:creationId xmlns:p14="http://schemas.microsoft.com/office/powerpoint/2010/main" val="535224962"/>
+      </p:ext>
+    </p:extLst>
+  </p:cSld>
+  <p:clrMapOvr>
+    <a:masterClrMapping/>
+  </p:clrMapOvr>
+</p:sldLayout>
+</file>
+
 <file path=ppt/slideMasters/slideMaster1.xml><?xml version="1.0" encoding="utf-8"?>
 <p:sldMaster xmlns:a="http://schemas.openxmlformats.org/drawingml/2006/main" xmlns:r="http://schemas.openxmlformats.org/officeDocument/2006/relationships" xmlns:p="http://schemas.openxmlformats.org/presentationml/2006/main">
   <p:cSld name="simple-light">
@@ -10795,14 +9928,13 @@
   <p:sldLayoutIdLst>
     <p:sldLayoutId id="2147483648" r:id="rId1"/>
     <p:sldLayoutId id="2147483649" r:id="rId2"/>
-    <p:sldLayoutId id="2147483651" r:id="rId3"/>
-    <p:sldLayoutId id="2147483658" r:id="rId4"/>
-    <p:sldLayoutId id="2147483659" r:id="rId5"/>
-    <p:sldLayoutId id="2147483660" r:id="rId6"/>
-    <p:sldLayoutId id="2147483661" r:id="rId7"/>
-    <p:sldLayoutId id="2147483662" r:id="rId8"/>
-    <p:sldLayoutId id="2147483664" r:id="rId9"/>
-    <p:sldLayoutId id="2147483663" r:id="rId10"/>
+    <p:sldLayoutId id="2147483658" r:id="rId3"/>
+    <p:sldLayoutId id="2147483659" r:id="rId4"/>
+    <p:sldLayoutId id="2147483660" r:id="rId5"/>
+    <p:sldLayoutId id="2147483661" r:id="rId6"/>
+    <p:sldLayoutId id="2147483662" r:id="rId7"/>
+    <p:sldLayoutId id="2147483664" r:id="rId8"/>
+    <p:sldLayoutId id="2147483663" r:id="rId9"/>
   </p:sldLayoutIdLst>
   <p:transition>
     <p:fade thruBlk="1"/>
@@ -16521,10 +15653,9 @@
           <a:lstStyle/>
           <a:p>
             <a:r>
-              <a:rPr lang="en-US"/>
+              <a:rPr lang="en-US" dirty="0"/>
               <a:t>Java finally block</a:t>
             </a:r>
-            <a:endParaRPr lang="en-US" dirty="0"/>
           </a:p>
         </p:txBody>
       </p:sp>
@@ -19758,68 +18889,10 @@
       </p:grpSpPr>
       <p:sp>
         <p:nvSpPr>
-          <p:cNvPr id="2" name="Title 1">
-            <a:extLst>
-              <a:ext uri="{FF2B5EF4-FFF2-40B4-BE49-F238E27FC236}">
-                <a16:creationId xmlns:a16="http://schemas.microsoft.com/office/drawing/2014/main" id="{E1C4B97A-B25F-41FC-AB69-42B4BFB8A996}"/>
-              </a:ext>
-            </a:extLst>
-          </p:cNvPr>
-          <p:cNvSpPr>
-            <a:spLocks noGrp="1"/>
-          </p:cNvSpPr>
-          <p:nvPr>
-            <p:ph type="ctrTitle"/>
-          </p:nvPr>
-        </p:nvSpPr>
-        <p:spPr/>
-        <p:txBody>
-          <a:bodyPr/>
-          <a:lstStyle/>
-          <a:p>
-            <a:r>
-              <a:rPr lang="en-US" dirty="0"/>
-              <a:t>Day 04</a:t>
-            </a:r>
-            <a:endParaRPr lang="en-ID" dirty="0"/>
-          </a:p>
-        </p:txBody>
-      </p:sp>
-      <p:sp>
-        <p:nvSpPr>
-          <p:cNvPr id="3" name="Subtitle 2">
-            <a:extLst>
-              <a:ext uri="{FF2B5EF4-FFF2-40B4-BE49-F238E27FC236}">
-                <a16:creationId xmlns:a16="http://schemas.microsoft.com/office/drawing/2014/main" id="{B2DE4C9C-75AD-4D02-B515-6766EA1A235B}"/>
-              </a:ext>
-            </a:extLst>
-          </p:cNvPr>
-          <p:cNvSpPr>
-            <a:spLocks noGrp="1"/>
-          </p:cNvSpPr>
-          <p:nvPr>
-            <p:ph type="subTitle" idx="1"/>
-          </p:nvPr>
-        </p:nvSpPr>
-        <p:spPr/>
-        <p:txBody>
-          <a:bodyPr/>
-          <a:lstStyle/>
-          <a:p>
-            <a:r>
-              <a:rPr lang="en-US" dirty="0"/>
-              <a:t>The Finally Block</a:t>
-            </a:r>
-            <a:endParaRPr lang="en-ID" dirty="0"/>
-          </a:p>
-        </p:txBody>
-      </p:sp>
-      <p:sp>
-        <p:nvSpPr>
-          <p:cNvPr id="4" name="Slide Number Placeholder 3">
-            <a:extLst>
-              <a:ext uri="{FF2B5EF4-FFF2-40B4-BE49-F238E27FC236}">
-                <a16:creationId xmlns:a16="http://schemas.microsoft.com/office/drawing/2014/main" id="{916DB1F4-E56E-40F8-BE83-A77BD1B29ED2}"/>
+          <p:cNvPr id="2" name="Slide Number Placeholder 1">
+            <a:extLst>
+              <a:ext uri="{FF2B5EF4-FFF2-40B4-BE49-F238E27FC236}">
+                <a16:creationId xmlns:a16="http://schemas.microsoft.com/office/drawing/2014/main" id="{1D08BA30-3A99-4D4D-97F5-BE03244DAE71}"/>
               </a:ext>
             </a:extLst>
           </p:cNvPr>
@@ -19854,72 +18927,90 @@
       </p:sp>
       <p:sp>
         <p:nvSpPr>
-          <p:cNvPr id="5" name="Google Shape;224;p14">
-            <a:extLst>
-              <a:ext uri="{FF2B5EF4-FFF2-40B4-BE49-F238E27FC236}">
-                <a16:creationId xmlns:a16="http://schemas.microsoft.com/office/drawing/2014/main" id="{5FDF6675-7522-494F-BFC9-DCE4FBB03259}"/>
-              </a:ext>
-            </a:extLst>
-          </p:cNvPr>
-          <p:cNvSpPr txBox="1"/>
-          <p:nvPr/>
+          <p:cNvPr id="7" name="Text Placeholder 6">
+            <a:extLst>
+              <a:ext uri="{FF2B5EF4-FFF2-40B4-BE49-F238E27FC236}">
+                <a16:creationId xmlns:a16="http://schemas.microsoft.com/office/drawing/2014/main" id="{3221FC4D-9CD8-41AA-A063-D8682C6EB2EC}"/>
+              </a:ext>
+            </a:extLst>
+          </p:cNvPr>
+          <p:cNvSpPr>
+            <a:spLocks noGrp="1"/>
+          </p:cNvSpPr>
+          <p:nvPr>
+            <p:ph type="body" idx="1"/>
+          </p:nvPr>
         </p:nvSpPr>
-        <p:spPr>
-          <a:xfrm>
-            <a:off x="463525" y="0"/>
-            <a:ext cx="2181600" cy="3136200"/>
-          </a:xfrm>
-          <a:prstGeom prst="rect">
-            <a:avLst/>
-          </a:prstGeom>
-          <a:noFill/>
-          <a:ln>
-            <a:noFill/>
-          </a:ln>
-        </p:spPr>
+        <p:spPr/>
         <p:txBody>
-          <a:bodyPr spcFirstLastPara="1" wrap="square" lIns="91425" tIns="91425" rIns="91425" bIns="91425" anchor="b" anchorCtr="0">
-            <a:noAutofit/>
-          </a:bodyPr>
+          <a:bodyPr/>
           <a:lstStyle/>
           <a:p>
-            <a:pPr marL="0" lvl="0" indent="0" algn="l" rtl="0">
-              <a:spcBef>
-                <a:spcPts val="0"/>
-              </a:spcBef>
-              <a:spcAft>
-                <a:spcPts val="0"/>
-              </a:spcAft>
+            <a:pPr marL="76200" indent="0">
               <a:buNone/>
             </a:pPr>
             <a:r>
-              <a:rPr lang="en" sz="12000" b="1" dirty="0">
-                <a:solidFill>
-                  <a:srgbClr val="3F5378"/>
-                </a:solidFill>
-                <a:latin typeface="Roboto Condensed"/>
-                <a:ea typeface="Roboto Condensed"/>
-                <a:cs typeface="Roboto Condensed"/>
-                <a:sym typeface="Roboto Condensed"/>
-              </a:rPr>
-              <a:t>4</a:t>
-            </a:r>
-            <a:endParaRPr sz="3000" b="1" dirty="0">
-              <a:solidFill>
-                <a:srgbClr val="3F5378"/>
-              </a:solidFill>
-              <a:latin typeface="Roboto Condensed"/>
-              <a:ea typeface="Roboto Condensed"/>
-              <a:cs typeface="Roboto Condensed"/>
-              <a:sym typeface="Roboto Condensed"/>
-            </a:endParaRPr>
+              <a:rPr lang="en-US" dirty="0"/>
+              <a:t>Rule: If you are calling a method that declares an exception, you must either caught or declare the exception.</a:t>
+            </a:r>
+          </a:p>
+          <a:p>
+            <a:pPr marL="76200" indent="0">
+              <a:buNone/>
+            </a:pPr>
+            <a:r>
+              <a:rPr lang="en-US" dirty="0"/>
+              <a:t>There are two cases:</a:t>
+            </a:r>
+          </a:p>
+          <a:p>
+            <a:r>
+              <a:rPr lang="en-US" dirty="0"/>
+              <a:t>Case1:You caught the exception i.e. handle the exception using try/catch.</a:t>
+            </a:r>
+          </a:p>
+          <a:p>
+            <a:r>
+              <a:rPr lang="en-US" dirty="0"/>
+              <a:t>Case2:You declare the exception i.e. specifying throws with the method.</a:t>
+            </a:r>
+            <a:endParaRPr lang="en-ID" dirty="0"/>
+          </a:p>
+        </p:txBody>
+      </p:sp>
+      <p:sp>
+        <p:nvSpPr>
+          <p:cNvPr id="6" name="Title 5">
+            <a:extLst>
+              <a:ext uri="{FF2B5EF4-FFF2-40B4-BE49-F238E27FC236}">
+                <a16:creationId xmlns:a16="http://schemas.microsoft.com/office/drawing/2014/main" id="{ED9A58FD-1957-4EAE-9C95-50F2F716B303}"/>
+              </a:ext>
+            </a:extLst>
+          </p:cNvPr>
+          <p:cNvSpPr>
+            <a:spLocks noGrp="1"/>
+          </p:cNvSpPr>
+          <p:nvPr>
+            <p:ph type="title"/>
+          </p:nvPr>
+        </p:nvSpPr>
+        <p:spPr/>
+        <p:txBody>
+          <a:bodyPr/>
+          <a:lstStyle/>
+          <a:p>
+            <a:r>
+              <a:rPr lang="en-US" dirty="0"/>
+              <a:t>Java throws keyword - Rule</a:t>
+            </a:r>
+            <a:endParaRPr lang="en-ID" dirty="0"/>
           </a:p>
         </p:txBody>
       </p:sp>
     </p:spTree>
     <p:extLst>
       <p:ext uri="{BB962C8B-B14F-4D97-AF65-F5344CB8AC3E}">
-        <p14:creationId xmlns:p14="http://schemas.microsoft.com/office/powerpoint/2010/main" val="322694685"/>
+        <p14:creationId xmlns:p14="http://schemas.microsoft.com/office/powerpoint/2010/main" val="4201274868"/>
       </p:ext>
     </p:extLst>
   </p:cSld>
@@ -20133,10 +19224,91 @@
       </p:grpSpPr>
       <p:sp>
         <p:nvSpPr>
+          <p:cNvPr id="2" name="Slide Number Placeholder 1">
+            <a:extLst>
+              <a:ext uri="{FF2B5EF4-FFF2-40B4-BE49-F238E27FC236}">
+                <a16:creationId xmlns:a16="http://schemas.microsoft.com/office/drawing/2014/main" id="{F9EFB1A5-6501-4B94-A628-A1F10F1F1CF6}"/>
+              </a:ext>
+            </a:extLst>
+          </p:cNvPr>
+          <p:cNvSpPr>
+            <a:spLocks noGrp="1"/>
+          </p:cNvSpPr>
+          <p:nvPr>
+            <p:ph type="sldNum" idx="12"/>
+          </p:nvPr>
+        </p:nvSpPr>
+        <p:spPr/>
+        <p:txBody>
+          <a:bodyPr/>
+          <a:lstStyle/>
+          <a:p>
+            <a:pPr marL="0" lvl="0" indent="0" algn="r" rtl="0">
+              <a:spcBef>
+                <a:spcPts val="0"/>
+              </a:spcBef>
+              <a:spcAft>
+                <a:spcPts val="0"/>
+              </a:spcAft>
+              <a:buNone/>
+            </a:pPr>
+            <a:fld id="{00000000-1234-1234-1234-123412341234}" type="slidenum">
+              <a:rPr lang="en" smtClean="0"/>
+              <a:t>40</a:t>
+            </a:fld>
+            <a:endParaRPr lang="en"/>
+          </a:p>
+        </p:txBody>
+      </p:sp>
+      <p:sp>
+        <p:nvSpPr>
+          <p:cNvPr id="3" name="Text Placeholder 2">
+            <a:extLst>
+              <a:ext uri="{FF2B5EF4-FFF2-40B4-BE49-F238E27FC236}">
+                <a16:creationId xmlns:a16="http://schemas.microsoft.com/office/drawing/2014/main" id="{2866DC62-0136-40AF-B768-6E2E3F1BF17B}"/>
+              </a:ext>
+            </a:extLst>
+          </p:cNvPr>
+          <p:cNvSpPr>
+            <a:spLocks noGrp="1"/>
+          </p:cNvSpPr>
+          <p:nvPr>
+            <p:ph type="body" idx="1"/>
+          </p:nvPr>
+        </p:nvSpPr>
+        <p:spPr/>
+        <p:txBody>
+          <a:bodyPr/>
+          <a:lstStyle/>
+          <a:p>
+            <a:r>
+              <a:rPr lang="en-US" dirty="0"/>
+              <a:t>Case1:You caught the exception i.e. handle the exception using try/catch.</a:t>
+            </a:r>
+          </a:p>
+          <a:p>
+            <a:pPr marL="76200" indent="0">
+              <a:buNone/>
+            </a:pPr>
+            <a:r>
+              <a:rPr lang="en-US" dirty="0"/>
+              <a:t>In case you handle the exception, the code will be executed fine whether exception occurs during the program or not.</a:t>
+            </a:r>
+          </a:p>
+          <a:p>
+            <a:pPr marL="76200" indent="0">
+              <a:buNone/>
+            </a:pPr>
+            <a:endParaRPr lang="en-US" dirty="0"/>
+          </a:p>
+        </p:txBody>
+      </p:sp>
+      <p:sp>
+        <p:nvSpPr>
           <p:cNvPr id="5" name="Title 4">
             <a:extLst>
               <a:ext uri="{FF2B5EF4-FFF2-40B4-BE49-F238E27FC236}">
-                <a16:creationId xmlns:a16="http://schemas.microsoft.com/office/drawing/2014/main" id="{8A6A8422-687C-429B-8030-40D689EDC55D}"/>
+                <a16:creationId xmlns:a16="http://schemas.microsoft.com/office/drawing/2014/main" id="{A5EC4973-7AE2-4DF7-8AA0-FF7CBC9EC3FE}"/>
               </a:ext>
             </a:extLst>
           </p:cNvPr>
@@ -20153,102 +19325,19 @@
           <a:lstStyle/>
           <a:p>
             <a:r>
-              <a:rPr lang="en-ID" dirty="0"/>
-              <a:t>The Finally Block</a:t>
-            </a:r>
-          </a:p>
-        </p:txBody>
-      </p:sp>
-      <p:sp>
-        <p:nvSpPr>
-          <p:cNvPr id="6" name="Text Placeholder 5">
-            <a:extLst>
-              <a:ext uri="{FF2B5EF4-FFF2-40B4-BE49-F238E27FC236}">
-                <a16:creationId xmlns:a16="http://schemas.microsoft.com/office/drawing/2014/main" id="{1A54E42D-A8D7-4377-8344-CA950A3189CC}"/>
-              </a:ext>
-            </a:extLst>
-          </p:cNvPr>
-          <p:cNvSpPr>
-            <a:spLocks noGrp="1"/>
-          </p:cNvSpPr>
-          <p:nvPr>
-            <p:ph type="body" idx="1"/>
-          </p:nvPr>
-        </p:nvSpPr>
-        <p:spPr>
-          <a:xfrm>
-            <a:off x="814275" y="1327350"/>
-            <a:ext cx="4824525" cy="3145500"/>
-          </a:xfrm>
-        </p:spPr>
-        <p:txBody>
-          <a:bodyPr anchor="t"/>
-          <a:lstStyle/>
-          <a:p>
-            <a:r>
-              <a:rPr lang="en-US" sz="1600" dirty="0"/>
-              <a:t>The finally block follows a try block or a catch block. A finally block of code always executes, irrespective of occurrence of an Exception.</a:t>
-            </a:r>
-          </a:p>
-          <a:p>
-            <a:r>
-              <a:rPr lang="en-US" sz="1600" dirty="0"/>
-              <a:t>Using a finally block allows you to run any cleanup-type statements that you want to execute, no matter what happens in the protected code.</a:t>
-            </a:r>
-          </a:p>
-          <a:p>
-            <a:r>
-              <a:rPr lang="en-US" sz="1600" dirty="0"/>
-              <a:t>A finally block appears at the end of the catch blocks</a:t>
-            </a:r>
-            <a:endParaRPr lang="en-ID" sz="1600" dirty="0"/>
-          </a:p>
-        </p:txBody>
-      </p:sp>
-      <p:sp>
-        <p:nvSpPr>
-          <p:cNvPr id="4" name="Slide Number Placeholder 3">
-            <a:extLst>
-              <a:ext uri="{FF2B5EF4-FFF2-40B4-BE49-F238E27FC236}">
-                <a16:creationId xmlns:a16="http://schemas.microsoft.com/office/drawing/2014/main" id="{09B986F0-46C4-4EFA-A0E2-E4E41BF6417A}"/>
-              </a:ext>
-            </a:extLst>
-          </p:cNvPr>
-          <p:cNvSpPr>
-            <a:spLocks noGrp="1"/>
-          </p:cNvSpPr>
-          <p:nvPr>
-            <p:ph type="sldNum" idx="12"/>
-          </p:nvPr>
-        </p:nvSpPr>
-        <p:spPr/>
-        <p:txBody>
-          <a:bodyPr/>
-          <a:lstStyle/>
-          <a:p>
-            <a:pPr marL="0" lvl="0" indent="0" algn="r" rtl="0">
-              <a:spcBef>
-                <a:spcPts val="0"/>
-              </a:spcBef>
-              <a:spcAft>
-                <a:spcPts val="0"/>
-              </a:spcAft>
-              <a:buNone/>
-            </a:pPr>
-            <a:fld id="{00000000-1234-1234-1234-123412341234}" type="slidenum">
-              <a:rPr lang="en" smtClean="0"/>
-              <a:t>40</a:t>
-            </a:fld>
-            <a:endParaRPr lang="en"/>
+              <a:rPr lang="en-US" dirty="0"/>
+              <a:t>Java throws keyword - Case</a:t>
+            </a:r>
+            <a:endParaRPr lang="en-ID" dirty="0"/>
           </a:p>
         </p:txBody>
       </p:sp>
       <p:pic>
         <p:nvPicPr>
-          <p:cNvPr id="7" name="Picture 6">
-            <a:extLst>
-              <a:ext uri="{FF2B5EF4-FFF2-40B4-BE49-F238E27FC236}">
-                <a16:creationId xmlns:a16="http://schemas.microsoft.com/office/drawing/2014/main" id="{FD5EEF42-4454-409A-B3E3-58C5C84B0345}"/>
+          <p:cNvPr id="6" name="Picture 5">
+            <a:extLst>
+              <a:ext uri="{FF2B5EF4-FFF2-40B4-BE49-F238E27FC236}">
+                <a16:creationId xmlns:a16="http://schemas.microsoft.com/office/drawing/2014/main" id="{495FDA80-DEAC-42F1-84E1-DBE6F0B9E56C}"/>
               </a:ext>
             </a:extLst>
           </p:cNvPr>
@@ -20265,8 +19354,38 @@
         </p:blipFill>
         <p:spPr>
           <a:xfrm>
-            <a:off x="5638800" y="1530348"/>
-            <a:ext cx="2590800" cy="2238375"/>
+            <a:off x="4782844" y="721431"/>
+            <a:ext cx="3218155" cy="3412702"/>
+          </a:xfrm>
+          <a:prstGeom prst="rect">
+            <a:avLst/>
+          </a:prstGeom>
+        </p:spPr>
+      </p:pic>
+      <p:pic>
+        <p:nvPicPr>
+          <p:cNvPr id="7" name="Picture 6">
+            <a:extLst>
+              <a:ext uri="{FF2B5EF4-FFF2-40B4-BE49-F238E27FC236}">
+                <a16:creationId xmlns:a16="http://schemas.microsoft.com/office/drawing/2014/main" id="{C61F9E04-CF8C-4A30-A813-D1AE23D80092}"/>
+              </a:ext>
+            </a:extLst>
+          </p:cNvPr>
+          <p:cNvPicPr>
+            <a:picLocks noChangeAspect="1"/>
+          </p:cNvPicPr>
+          <p:nvPr/>
+        </p:nvPicPr>
+        <p:blipFill>
+          <a:blip r:embed="rId3"/>
+          <a:stretch>
+            <a:fillRect/>
+          </a:stretch>
+        </p:blipFill>
+        <p:spPr>
+          <a:xfrm>
+            <a:off x="4782845" y="4139631"/>
+            <a:ext cx="2209800" cy="688885"/>
           </a:xfrm>
           <a:prstGeom prst="rect">
             <a:avLst/>
@@ -20276,7 +19395,7 @@
     </p:spTree>
     <p:extLst>
       <p:ext uri="{BB962C8B-B14F-4D97-AF65-F5344CB8AC3E}">
-        <p14:creationId xmlns:p14="http://schemas.microsoft.com/office/powerpoint/2010/main" val="272933659"/>
+        <p14:creationId xmlns:p14="http://schemas.microsoft.com/office/powerpoint/2010/main" val="595804588"/>
       </p:ext>
     </p:extLst>
   </p:cSld>
@@ -20305,10 +19424,124 @@
       </p:grpSpPr>
       <p:sp>
         <p:nvSpPr>
-          <p:cNvPr id="2" name="Title 1">
-            <a:extLst>
-              <a:ext uri="{FF2B5EF4-FFF2-40B4-BE49-F238E27FC236}">
-                <a16:creationId xmlns:a16="http://schemas.microsoft.com/office/drawing/2014/main" id="{4B498F01-FA8D-403F-8B13-42FA60F0CEE8}"/>
+          <p:cNvPr id="2" name="Slide Number Placeholder 1">
+            <a:extLst>
+              <a:ext uri="{FF2B5EF4-FFF2-40B4-BE49-F238E27FC236}">
+                <a16:creationId xmlns:a16="http://schemas.microsoft.com/office/drawing/2014/main" id="{48DB75CC-3F00-453E-80DC-4EBC0C4CE0FD}"/>
+              </a:ext>
+            </a:extLst>
+          </p:cNvPr>
+          <p:cNvSpPr>
+            <a:spLocks noGrp="1"/>
+          </p:cNvSpPr>
+          <p:nvPr>
+            <p:ph type="sldNum" idx="12"/>
+          </p:nvPr>
+        </p:nvSpPr>
+        <p:spPr/>
+        <p:txBody>
+          <a:bodyPr/>
+          <a:lstStyle/>
+          <a:p>
+            <a:pPr marL="0" lvl="0" indent="0" algn="r" rtl="0">
+              <a:spcBef>
+                <a:spcPts val="0"/>
+              </a:spcBef>
+              <a:spcAft>
+                <a:spcPts val="0"/>
+              </a:spcAft>
+              <a:buNone/>
+            </a:pPr>
+            <a:fld id="{00000000-1234-1234-1234-123412341234}" type="slidenum">
+              <a:rPr lang="en" smtClean="0"/>
+              <a:t>41</a:t>
+            </a:fld>
+            <a:endParaRPr lang="en"/>
+          </a:p>
+        </p:txBody>
+      </p:sp>
+      <p:sp>
+        <p:nvSpPr>
+          <p:cNvPr id="3" name="Text Placeholder 2">
+            <a:extLst>
+              <a:ext uri="{FF2B5EF4-FFF2-40B4-BE49-F238E27FC236}">
+                <a16:creationId xmlns:a16="http://schemas.microsoft.com/office/drawing/2014/main" id="{48AFD9D2-B224-4000-863A-AA5980D196E8}"/>
+              </a:ext>
+            </a:extLst>
+          </p:cNvPr>
+          <p:cNvSpPr>
+            <a:spLocks noGrp="1"/>
+          </p:cNvSpPr>
+          <p:nvPr>
+            <p:ph type="body" idx="1"/>
+          </p:nvPr>
+        </p:nvSpPr>
+        <p:spPr/>
+        <p:txBody>
+          <a:bodyPr/>
+          <a:lstStyle/>
+          <a:p>
+            <a:r>
+              <a:rPr lang="en-US" dirty="0"/>
+              <a:t>A)In case you declare the exception, if exception does not occur, the code will be executed fine.</a:t>
+            </a:r>
+          </a:p>
+          <a:p>
+            <a:pPr marL="76200" indent="0">
+              <a:buNone/>
+            </a:pPr>
+            <a:endParaRPr lang="en-ID" dirty="0"/>
+          </a:p>
+        </p:txBody>
+      </p:sp>
+      <p:sp>
+        <p:nvSpPr>
+          <p:cNvPr id="7" name="Text Placeholder 6">
+            <a:extLst>
+              <a:ext uri="{FF2B5EF4-FFF2-40B4-BE49-F238E27FC236}">
+                <a16:creationId xmlns:a16="http://schemas.microsoft.com/office/drawing/2014/main" id="{266B4507-8619-43BB-933B-B68F85BCB482}"/>
+              </a:ext>
+            </a:extLst>
+          </p:cNvPr>
+          <p:cNvSpPr>
+            <a:spLocks noGrp="1"/>
+          </p:cNvSpPr>
+          <p:nvPr>
+            <p:ph type="body" idx="13"/>
+          </p:nvPr>
+        </p:nvSpPr>
+        <p:spPr/>
+        <p:txBody>
+          <a:bodyPr/>
+          <a:lstStyle/>
+          <a:p>
+            <a:r>
+              <a:rPr lang="en-US" dirty="0"/>
+              <a:t>B)In case you declare the exception if exception </a:t>
+            </a:r>
+            <a:r>
+              <a:rPr lang="en-US" dirty="0" err="1"/>
+              <a:t>occures</a:t>
+            </a:r>
+            <a:r>
+              <a:rPr lang="en-US" dirty="0"/>
+              <a:t>, an exception will be thrown at runtime because throws does not handle the exception.</a:t>
+            </a:r>
+          </a:p>
+          <a:p>
+            <a:pPr marL="76200" indent="0">
+              <a:buNone/>
+            </a:pPr>
+            <a:endParaRPr lang="en-ID" dirty="0"/>
+          </a:p>
+        </p:txBody>
+      </p:sp>
+      <p:sp>
+        <p:nvSpPr>
+          <p:cNvPr id="4" name="Title 3">
+            <a:extLst>
+              <a:ext uri="{FF2B5EF4-FFF2-40B4-BE49-F238E27FC236}">
+                <a16:creationId xmlns:a16="http://schemas.microsoft.com/office/drawing/2014/main" id="{D7D8F9DC-7C29-4956-ADC5-7C32497BD17C}"/>
               </a:ext>
             </a:extLst>
           </p:cNvPr>
@@ -20325,47 +19558,10 @@
           <a:lstStyle/>
           <a:p>
             <a:r>
-              <a:rPr lang="en-ID" dirty="0"/>
-              <a:t>The Finally Block Example</a:t>
-            </a:r>
-          </a:p>
-        </p:txBody>
-      </p:sp>
-      <p:sp>
-        <p:nvSpPr>
-          <p:cNvPr id="4" name="Slide Number Placeholder 3">
-            <a:extLst>
-              <a:ext uri="{FF2B5EF4-FFF2-40B4-BE49-F238E27FC236}">
-                <a16:creationId xmlns:a16="http://schemas.microsoft.com/office/drawing/2014/main" id="{70D6626D-3D08-4CE1-B46F-66AE5318B7D8}"/>
-              </a:ext>
-            </a:extLst>
-          </p:cNvPr>
-          <p:cNvSpPr>
-            <a:spLocks noGrp="1"/>
-          </p:cNvSpPr>
-          <p:nvPr>
-            <p:ph type="sldNum" idx="12"/>
-          </p:nvPr>
-        </p:nvSpPr>
-        <p:spPr/>
-        <p:txBody>
-          <a:bodyPr/>
-          <a:lstStyle/>
-          <a:p>
-            <a:pPr marL="0" lvl="0" indent="0" algn="r" rtl="0">
-              <a:spcBef>
-                <a:spcPts val="0"/>
-              </a:spcBef>
-              <a:spcAft>
-                <a:spcPts val="0"/>
-              </a:spcAft>
-              <a:buNone/>
-            </a:pPr>
-            <a:fld id="{00000000-1234-1234-1234-123412341234}" type="slidenum">
-              <a:rPr lang="en" smtClean="0"/>
-              <a:t>41</a:t>
-            </a:fld>
-            <a:endParaRPr lang="en"/>
+              <a:rPr lang="en-US" dirty="0"/>
+              <a:t>Java throws keyword - Case</a:t>
+            </a:r>
+            <a:endParaRPr lang="en-ID" dirty="0"/>
           </a:p>
         </p:txBody>
       </p:sp>
@@ -20374,7 +19570,7 @@
           <p:cNvPr id="5" name="Picture 4">
             <a:extLst>
               <a:ext uri="{FF2B5EF4-FFF2-40B4-BE49-F238E27FC236}">
-                <a16:creationId xmlns:a16="http://schemas.microsoft.com/office/drawing/2014/main" id="{C8D6ABA8-576D-4BD9-A4B3-DF76692A2DE8}"/>
+                <a16:creationId xmlns:a16="http://schemas.microsoft.com/office/drawing/2014/main" id="{97763CC8-EB89-46F4-8E2E-3303071AD788}"/>
               </a:ext>
             </a:extLst>
           </p:cNvPr>
@@ -20391,8 +19587,98 @@
         </p:blipFill>
         <p:spPr>
           <a:xfrm>
-            <a:off x="814275" y="1344083"/>
-            <a:ext cx="5305425" cy="3152775"/>
+            <a:off x="531552" y="1556077"/>
+            <a:ext cx="3733800" cy="2264113"/>
+          </a:xfrm>
+          <a:prstGeom prst="rect">
+            <a:avLst/>
+          </a:prstGeom>
+        </p:spPr>
+      </p:pic>
+      <p:pic>
+        <p:nvPicPr>
+          <p:cNvPr id="6" name="Picture 5">
+            <a:extLst>
+              <a:ext uri="{FF2B5EF4-FFF2-40B4-BE49-F238E27FC236}">
+                <a16:creationId xmlns:a16="http://schemas.microsoft.com/office/drawing/2014/main" id="{08AC7E06-5D75-454A-861A-0177B6AB0E00}"/>
+              </a:ext>
+            </a:extLst>
+          </p:cNvPr>
+          <p:cNvPicPr>
+            <a:picLocks noChangeAspect="1"/>
+          </p:cNvPicPr>
+          <p:nvPr/>
+        </p:nvPicPr>
+        <p:blipFill>
+          <a:blip r:embed="rId3"/>
+          <a:stretch>
+            <a:fillRect/>
+          </a:stretch>
+        </p:blipFill>
+        <p:spPr>
+          <a:xfrm>
+            <a:off x="531552" y="3900626"/>
+            <a:ext cx="2021647" cy="665664"/>
+          </a:xfrm>
+          <a:prstGeom prst="rect">
+            <a:avLst/>
+          </a:prstGeom>
+        </p:spPr>
+      </p:pic>
+      <p:pic>
+        <p:nvPicPr>
+          <p:cNvPr id="8" name="Picture 7">
+            <a:extLst>
+              <a:ext uri="{FF2B5EF4-FFF2-40B4-BE49-F238E27FC236}">
+                <a16:creationId xmlns:a16="http://schemas.microsoft.com/office/drawing/2014/main" id="{0E90EDB7-6C43-4B04-84D4-9839BA1ED203}"/>
+              </a:ext>
+            </a:extLst>
+          </p:cNvPr>
+          <p:cNvPicPr>
+            <a:picLocks noChangeAspect="1"/>
+          </p:cNvPicPr>
+          <p:nvPr/>
+        </p:nvPicPr>
+        <p:blipFill>
+          <a:blip r:embed="rId4"/>
+          <a:stretch>
+            <a:fillRect/>
+          </a:stretch>
+        </p:blipFill>
+        <p:spPr>
+          <a:xfrm>
+            <a:off x="5201167" y="1428750"/>
+            <a:ext cx="3485632" cy="2017217"/>
+          </a:xfrm>
+          <a:prstGeom prst="rect">
+            <a:avLst/>
+          </a:prstGeom>
+        </p:spPr>
+      </p:pic>
+      <p:pic>
+        <p:nvPicPr>
+          <p:cNvPr id="9" name="Picture 8">
+            <a:extLst>
+              <a:ext uri="{FF2B5EF4-FFF2-40B4-BE49-F238E27FC236}">
+                <a16:creationId xmlns:a16="http://schemas.microsoft.com/office/drawing/2014/main" id="{837A4505-498D-4513-96EE-F2B3E8F3F0C5}"/>
+              </a:ext>
+            </a:extLst>
+          </p:cNvPr>
+          <p:cNvPicPr>
+            <a:picLocks noChangeAspect="1"/>
+          </p:cNvPicPr>
+          <p:nvPr/>
+        </p:nvPicPr>
+        <p:blipFill>
+          <a:blip r:embed="rId5"/>
+          <a:stretch>
+            <a:fillRect/>
+          </a:stretch>
+        </p:blipFill>
+        <p:spPr>
+          <a:xfrm>
+            <a:off x="5201168" y="3572682"/>
+            <a:ext cx="3709536" cy="820462"/>
           </a:xfrm>
           <a:prstGeom prst="rect">
             <a:avLst/>
@@ -20402,7 +19688,7 @@
     </p:spTree>
     <p:extLst>
       <p:ext uri="{BB962C8B-B14F-4D97-AF65-F5344CB8AC3E}">
-        <p14:creationId xmlns:p14="http://schemas.microsoft.com/office/powerpoint/2010/main" val="1353592956"/>
+        <p14:creationId xmlns:p14="http://schemas.microsoft.com/office/powerpoint/2010/main" val="1517072537"/>
       </p:ext>
     </p:extLst>
   </p:cSld>
@@ -20434,7 +19720,7 @@
           <p:cNvPr id="2" name="Title 1">
             <a:extLst>
               <a:ext uri="{FF2B5EF4-FFF2-40B4-BE49-F238E27FC236}">
-                <a16:creationId xmlns:a16="http://schemas.microsoft.com/office/drawing/2014/main" id="{4B498F01-FA8D-403F-8B13-42FA60F0CEE8}"/>
+                <a16:creationId xmlns:a16="http://schemas.microsoft.com/office/drawing/2014/main" id="{E1C4B97A-B25F-41FC-AB69-42B4BFB8A996}"/>
               </a:ext>
             </a:extLst>
           </p:cNvPr>
@@ -20442,7 +19728,7 @@
             <a:spLocks noGrp="1"/>
           </p:cNvSpPr>
           <p:nvPr>
-            <p:ph type="title"/>
+            <p:ph type="ctrTitle"/>
           </p:nvPr>
         </p:nvSpPr>
         <p:spPr/>
@@ -20451,18 +19737,19 @@
           <a:lstStyle/>
           <a:p>
             <a:r>
-              <a:rPr lang="en-ID" dirty="0"/>
-              <a:t>The Finally Block Example</a:t>
-            </a:r>
+              <a:rPr lang="en-US" dirty="0"/>
+              <a:t>Day 04</a:t>
+            </a:r>
+            <a:endParaRPr lang="en-ID" dirty="0"/>
           </a:p>
         </p:txBody>
       </p:sp>
       <p:sp>
         <p:nvSpPr>
-          <p:cNvPr id="6" name="Text Placeholder 5">
-            <a:extLst>
-              <a:ext uri="{FF2B5EF4-FFF2-40B4-BE49-F238E27FC236}">
-                <a16:creationId xmlns:a16="http://schemas.microsoft.com/office/drawing/2014/main" id="{EF976F20-3B5F-46B9-8C42-1D028AA63A82}"/>
+          <p:cNvPr id="3" name="Subtitle 2">
+            <a:extLst>
+              <a:ext uri="{FF2B5EF4-FFF2-40B4-BE49-F238E27FC236}">
+                <a16:creationId xmlns:a16="http://schemas.microsoft.com/office/drawing/2014/main" id="{B2DE4C9C-75AD-4D02-B515-6766EA1A235B}"/>
               </a:ext>
             </a:extLst>
           </p:cNvPr>
@@ -20470,42 +19757,19 @@
             <a:spLocks noGrp="1"/>
           </p:cNvSpPr>
           <p:nvPr>
-            <p:ph type="body" idx="1"/>
+            <p:ph type="subTitle" idx="1"/>
           </p:nvPr>
         </p:nvSpPr>
-        <p:spPr>
-          <a:xfrm>
-            <a:off x="831208" y="1329390"/>
-            <a:ext cx="3681525" cy="2994959"/>
-          </a:xfrm>
-        </p:spPr>
+        <p:spPr/>
         <p:txBody>
-          <a:bodyPr anchor="t"/>
+          <a:bodyPr/>
           <a:lstStyle/>
           <a:p>
             <a:r>
-              <a:rPr lang="en-US" sz="1600" dirty="0"/>
-              <a:t>A catch clause cannot exist without a try statement.</a:t>
-            </a:r>
-          </a:p>
-          <a:p>
-            <a:r>
-              <a:rPr lang="en-US" sz="1600" dirty="0"/>
-              <a:t>It is not compulsory to have finally clauses whenever a try/catch block is present.</a:t>
-            </a:r>
-          </a:p>
-          <a:p>
-            <a:r>
-              <a:rPr lang="en-US" sz="1600" dirty="0"/>
-              <a:t>The try block cannot be present without either catch clause or finally clause.</a:t>
-            </a:r>
-          </a:p>
-          <a:p>
-            <a:r>
-              <a:rPr lang="en-US" sz="1600" dirty="0"/>
-              <a:t>Any code cannot be present in between the try, catch, finally blocks.</a:t>
-            </a:r>
-            <a:endParaRPr lang="en-ID" sz="1600" dirty="0"/>
+              <a:rPr lang="en-US" dirty="0"/>
+              <a:t>Differences between throw and throws</a:t>
+            </a:r>
+            <a:endParaRPr lang="en-ID" dirty="0"/>
           </a:p>
         </p:txBody>
       </p:sp>
@@ -20514,7 +19778,7 @@
           <p:cNvPr id="4" name="Slide Number Placeholder 3">
             <a:extLst>
               <a:ext uri="{FF2B5EF4-FFF2-40B4-BE49-F238E27FC236}">
-                <a16:creationId xmlns:a16="http://schemas.microsoft.com/office/drawing/2014/main" id="{70D6626D-3D08-4CE1-B46F-66AE5318B7D8}"/>
+                <a16:creationId xmlns:a16="http://schemas.microsoft.com/office/drawing/2014/main" id="{916DB1F4-E56E-40F8-BE83-A77BD1B29ED2}"/>
               </a:ext>
             </a:extLst>
           </p:cNvPr>
@@ -20547,40 +19811,74 @@
           </a:p>
         </p:txBody>
       </p:sp>
-      <p:pic>
-        <p:nvPicPr>
-          <p:cNvPr id="3" name="Picture 2">
-            <a:extLst>
-              <a:ext uri="{FF2B5EF4-FFF2-40B4-BE49-F238E27FC236}">
-                <a16:creationId xmlns:a16="http://schemas.microsoft.com/office/drawing/2014/main" id="{A6F05506-4207-4E46-BF46-513C57A4CC55}"/>
-              </a:ext>
-            </a:extLst>
-          </p:cNvPr>
-          <p:cNvPicPr>
-            <a:picLocks noChangeAspect="1"/>
-          </p:cNvPicPr>
+      <p:sp>
+        <p:nvSpPr>
+          <p:cNvPr id="5" name="Google Shape;224;p14">
+            <a:extLst>
+              <a:ext uri="{FF2B5EF4-FFF2-40B4-BE49-F238E27FC236}">
+                <a16:creationId xmlns:a16="http://schemas.microsoft.com/office/drawing/2014/main" id="{5FDF6675-7522-494F-BFC9-DCE4FBB03259}"/>
+              </a:ext>
+            </a:extLst>
+          </p:cNvPr>
+          <p:cNvSpPr txBox="1"/>
           <p:nvPr/>
-        </p:nvPicPr>
-        <p:blipFill>
-          <a:blip r:embed="rId2"/>
-          <a:stretch>
-            <a:fillRect/>
-          </a:stretch>
-        </p:blipFill>
+        </p:nvSpPr>
         <p:spPr>
           <a:xfrm>
-            <a:off x="4572000" y="1331508"/>
-            <a:ext cx="4267200" cy="1255059"/>
+            <a:off x="463525" y="0"/>
+            <a:ext cx="2181600" cy="3136200"/>
           </a:xfrm>
           <a:prstGeom prst="rect">
             <a:avLst/>
           </a:prstGeom>
+          <a:noFill/>
+          <a:ln>
+            <a:noFill/>
+          </a:ln>
         </p:spPr>
-      </p:pic>
+        <p:txBody>
+          <a:bodyPr spcFirstLastPara="1" wrap="square" lIns="91425" tIns="91425" rIns="91425" bIns="91425" anchor="b" anchorCtr="0">
+            <a:noAutofit/>
+          </a:bodyPr>
+          <a:lstStyle/>
+          <a:p>
+            <a:pPr marL="0" lvl="0" indent="0" algn="l" rtl="0">
+              <a:spcBef>
+                <a:spcPts val="0"/>
+              </a:spcBef>
+              <a:spcAft>
+                <a:spcPts val="0"/>
+              </a:spcAft>
+              <a:buNone/>
+            </a:pPr>
+            <a:r>
+              <a:rPr lang="en" sz="12000" b="1" dirty="0">
+                <a:solidFill>
+                  <a:srgbClr val="3F5378"/>
+                </a:solidFill>
+                <a:latin typeface="Roboto Condensed"/>
+                <a:ea typeface="Roboto Condensed"/>
+                <a:cs typeface="Roboto Condensed"/>
+                <a:sym typeface="Roboto Condensed"/>
+              </a:rPr>
+              <a:t>9</a:t>
+            </a:r>
+            <a:endParaRPr sz="3000" b="1" dirty="0">
+              <a:solidFill>
+                <a:srgbClr val="3F5378"/>
+              </a:solidFill>
+              <a:latin typeface="Roboto Condensed"/>
+              <a:ea typeface="Roboto Condensed"/>
+              <a:cs typeface="Roboto Condensed"/>
+              <a:sym typeface="Roboto Condensed"/>
+            </a:endParaRPr>
+          </a:p>
+        </p:txBody>
+      </p:sp>
     </p:spTree>
     <p:extLst>
       <p:ext uri="{BB962C8B-B14F-4D97-AF65-F5344CB8AC3E}">
-        <p14:creationId xmlns:p14="http://schemas.microsoft.com/office/powerpoint/2010/main" val="4016777625"/>
+        <p14:creationId xmlns:p14="http://schemas.microsoft.com/office/powerpoint/2010/main" val="322694685"/>
       </p:ext>
     </p:extLst>
   </p:cSld>
@@ -20609,68 +19907,10 @@
       </p:grpSpPr>
       <p:sp>
         <p:nvSpPr>
-          <p:cNvPr id="2" name="Title 1">
-            <a:extLst>
-              <a:ext uri="{FF2B5EF4-FFF2-40B4-BE49-F238E27FC236}">
-                <a16:creationId xmlns:a16="http://schemas.microsoft.com/office/drawing/2014/main" id="{E1C4B97A-B25F-41FC-AB69-42B4BFB8A996}"/>
-              </a:ext>
-            </a:extLst>
-          </p:cNvPr>
-          <p:cNvSpPr>
-            <a:spLocks noGrp="1"/>
-          </p:cNvSpPr>
-          <p:nvPr>
-            <p:ph type="ctrTitle"/>
-          </p:nvPr>
-        </p:nvSpPr>
-        <p:spPr/>
-        <p:txBody>
-          <a:bodyPr/>
-          <a:lstStyle/>
-          <a:p>
-            <a:r>
-              <a:rPr lang="en-US" dirty="0"/>
-              <a:t>Day 04</a:t>
-            </a:r>
-            <a:endParaRPr lang="en-ID" dirty="0"/>
-          </a:p>
-        </p:txBody>
-      </p:sp>
-      <p:sp>
-        <p:nvSpPr>
-          <p:cNvPr id="3" name="Subtitle 2">
-            <a:extLst>
-              <a:ext uri="{FF2B5EF4-FFF2-40B4-BE49-F238E27FC236}">
-                <a16:creationId xmlns:a16="http://schemas.microsoft.com/office/drawing/2014/main" id="{B2DE4C9C-75AD-4D02-B515-6766EA1A235B}"/>
-              </a:ext>
-            </a:extLst>
-          </p:cNvPr>
-          <p:cNvSpPr>
-            <a:spLocks noGrp="1"/>
-          </p:cNvSpPr>
-          <p:nvPr>
-            <p:ph type="subTitle" idx="1"/>
-          </p:nvPr>
-        </p:nvSpPr>
-        <p:spPr/>
-        <p:txBody>
-          <a:bodyPr/>
-          <a:lstStyle/>
-          <a:p>
-            <a:r>
-              <a:rPr lang="en-US" dirty="0"/>
-              <a:t>Study Case</a:t>
-            </a:r>
-            <a:endParaRPr lang="en-ID" dirty="0"/>
-          </a:p>
-        </p:txBody>
-      </p:sp>
-      <p:sp>
-        <p:nvSpPr>
-          <p:cNvPr id="4" name="Slide Number Placeholder 3">
-            <a:extLst>
-              <a:ext uri="{FF2B5EF4-FFF2-40B4-BE49-F238E27FC236}">
-                <a16:creationId xmlns:a16="http://schemas.microsoft.com/office/drawing/2014/main" id="{916DB1F4-E56E-40F8-BE83-A77BD1B29ED2}"/>
+          <p:cNvPr id="2" name="Slide Number Placeholder 1">
+            <a:extLst>
+              <a:ext uri="{FF2B5EF4-FFF2-40B4-BE49-F238E27FC236}">
+                <a16:creationId xmlns:a16="http://schemas.microsoft.com/office/drawing/2014/main" id="{9415ABB6-C08C-4324-BBF4-5BC47CD9AFD7}"/>
               </a:ext>
             </a:extLst>
           </p:cNvPr>
@@ -20705,72 +19945,96 @@
       </p:sp>
       <p:sp>
         <p:nvSpPr>
-          <p:cNvPr id="5" name="Google Shape;224;p14">
-            <a:extLst>
-              <a:ext uri="{FF2B5EF4-FFF2-40B4-BE49-F238E27FC236}">
-                <a16:creationId xmlns:a16="http://schemas.microsoft.com/office/drawing/2014/main" id="{5FDF6675-7522-494F-BFC9-DCE4FBB03259}"/>
-              </a:ext>
-            </a:extLst>
-          </p:cNvPr>
-          <p:cNvSpPr txBox="1"/>
+          <p:cNvPr id="7" name="Text Placeholder 6">
+            <a:extLst>
+              <a:ext uri="{FF2B5EF4-FFF2-40B4-BE49-F238E27FC236}">
+                <a16:creationId xmlns:a16="http://schemas.microsoft.com/office/drawing/2014/main" id="{B5205D09-A36C-4419-91E0-9A35EDDCB862}"/>
+              </a:ext>
+            </a:extLst>
+          </p:cNvPr>
+          <p:cNvSpPr>
+            <a:spLocks noGrp="1"/>
+          </p:cNvSpPr>
+          <p:nvPr>
+            <p:ph type="body" idx="1"/>
+          </p:nvPr>
+        </p:nvSpPr>
+        <p:spPr/>
+        <p:txBody>
+          <a:bodyPr/>
+          <a:lstStyle/>
+          <a:p>
+            <a:r>
+              <a:rPr lang="en-US" dirty="0"/>
+              <a:t>There are many differences between throw and throws keywords. A list of differences between throw and throws are given below:</a:t>
+            </a:r>
+            <a:endParaRPr lang="en-ID" dirty="0"/>
+          </a:p>
+        </p:txBody>
+      </p:sp>
+      <p:sp>
+        <p:nvSpPr>
+          <p:cNvPr id="6" name="Title 5">
+            <a:extLst>
+              <a:ext uri="{FF2B5EF4-FFF2-40B4-BE49-F238E27FC236}">
+                <a16:creationId xmlns:a16="http://schemas.microsoft.com/office/drawing/2014/main" id="{4EAE75CA-2C72-4844-907B-CD56B5338194}"/>
+              </a:ext>
+            </a:extLst>
+          </p:cNvPr>
+          <p:cNvSpPr>
+            <a:spLocks noGrp="1"/>
+          </p:cNvSpPr>
+          <p:nvPr>
+            <p:ph type="title"/>
+          </p:nvPr>
+        </p:nvSpPr>
+        <p:spPr/>
+        <p:txBody>
+          <a:bodyPr/>
+          <a:lstStyle/>
+          <a:p>
+            <a:r>
+              <a:rPr lang="en-US" dirty="0"/>
+              <a:t>Differences between throw and throws</a:t>
+            </a:r>
+            <a:endParaRPr lang="en-ID" dirty="0"/>
+          </a:p>
+        </p:txBody>
+      </p:sp>
+      <p:pic>
+        <p:nvPicPr>
+          <p:cNvPr id="8" name="Picture 7">
+            <a:extLst>
+              <a:ext uri="{FF2B5EF4-FFF2-40B4-BE49-F238E27FC236}">
+                <a16:creationId xmlns:a16="http://schemas.microsoft.com/office/drawing/2014/main" id="{27E75F13-887F-43C9-B2A9-D1C478F4D97B}"/>
+              </a:ext>
+            </a:extLst>
+          </p:cNvPr>
+          <p:cNvPicPr>
+            <a:picLocks noChangeAspect="1"/>
+          </p:cNvPicPr>
           <p:nvPr/>
-        </p:nvSpPr>
+        </p:nvPicPr>
+        <p:blipFill>
+          <a:blip r:embed="rId2"/>
+          <a:stretch>
+            <a:fillRect/>
+          </a:stretch>
+        </p:blipFill>
         <p:spPr>
           <a:xfrm>
-            <a:off x="463525" y="0"/>
-            <a:ext cx="2181600" cy="3136200"/>
+            <a:off x="1046500" y="1282144"/>
+            <a:ext cx="7315200" cy="2167467"/>
           </a:xfrm>
           <a:prstGeom prst="rect">
             <a:avLst/>
           </a:prstGeom>
-          <a:noFill/>
-          <a:ln>
-            <a:noFill/>
-          </a:ln>
         </p:spPr>
-        <p:txBody>
-          <a:bodyPr spcFirstLastPara="1" wrap="square" lIns="91425" tIns="91425" rIns="91425" bIns="91425" anchor="b" anchorCtr="0">
-            <a:noAutofit/>
-          </a:bodyPr>
-          <a:lstStyle/>
-          <a:p>
-            <a:pPr marL="0" lvl="0" indent="0" algn="l" rtl="0">
-              <a:spcBef>
-                <a:spcPts val="0"/>
-              </a:spcBef>
-              <a:spcAft>
-                <a:spcPts val="0"/>
-              </a:spcAft>
-              <a:buNone/>
-            </a:pPr>
-            <a:r>
-              <a:rPr lang="en" sz="12000" b="1" dirty="0">
-                <a:solidFill>
-                  <a:srgbClr val="3F5378"/>
-                </a:solidFill>
-                <a:latin typeface="Roboto Condensed"/>
-                <a:ea typeface="Roboto Condensed"/>
-                <a:cs typeface="Roboto Condensed"/>
-                <a:sym typeface="Roboto Condensed"/>
-              </a:rPr>
-              <a:t>5</a:t>
-            </a:r>
-            <a:endParaRPr sz="3000" b="1" dirty="0">
-              <a:solidFill>
-                <a:srgbClr val="3F5378"/>
-              </a:solidFill>
-              <a:latin typeface="Roboto Condensed"/>
-              <a:ea typeface="Roboto Condensed"/>
-              <a:cs typeface="Roboto Condensed"/>
-              <a:sym typeface="Roboto Condensed"/>
-            </a:endParaRPr>
-          </a:p>
-        </p:txBody>
-      </p:sp>
+      </p:pic>
     </p:spTree>
     <p:extLst>
       <p:ext uri="{BB962C8B-B14F-4D97-AF65-F5344CB8AC3E}">
-        <p14:creationId xmlns:p14="http://schemas.microsoft.com/office/powerpoint/2010/main" val="1953334197"/>
+        <p14:creationId xmlns:p14="http://schemas.microsoft.com/office/powerpoint/2010/main" val="1839543970"/>
       </p:ext>
     </p:extLst>
   </p:cSld>
@@ -20799,10 +20063,67 @@
       </p:grpSpPr>
       <p:sp>
         <p:nvSpPr>
+          <p:cNvPr id="2" name="Title 1">
+            <a:extLst>
+              <a:ext uri="{FF2B5EF4-FFF2-40B4-BE49-F238E27FC236}">
+                <a16:creationId xmlns:a16="http://schemas.microsoft.com/office/drawing/2014/main" id="{E1C4B97A-B25F-41FC-AB69-42B4BFB8A996}"/>
+              </a:ext>
+            </a:extLst>
+          </p:cNvPr>
+          <p:cNvSpPr>
+            <a:spLocks noGrp="1"/>
+          </p:cNvSpPr>
+          <p:nvPr>
+            <p:ph type="ctrTitle"/>
+          </p:nvPr>
+        </p:nvSpPr>
+        <p:spPr/>
+        <p:txBody>
+          <a:bodyPr/>
+          <a:lstStyle/>
+          <a:p>
+            <a:r>
+              <a:rPr lang="en-US" dirty="0"/>
+              <a:t>Day 04</a:t>
+            </a:r>
+            <a:endParaRPr lang="en-ID" dirty="0"/>
+          </a:p>
+        </p:txBody>
+      </p:sp>
+      <p:sp>
+        <p:nvSpPr>
+          <p:cNvPr id="3" name="Subtitle 2">
+            <a:extLst>
+              <a:ext uri="{FF2B5EF4-FFF2-40B4-BE49-F238E27FC236}">
+                <a16:creationId xmlns:a16="http://schemas.microsoft.com/office/drawing/2014/main" id="{B2DE4C9C-75AD-4D02-B515-6766EA1A235B}"/>
+              </a:ext>
+            </a:extLst>
+          </p:cNvPr>
+          <p:cNvSpPr>
+            <a:spLocks noGrp="1"/>
+          </p:cNvSpPr>
+          <p:nvPr>
+            <p:ph type="subTitle" idx="1"/>
+          </p:nvPr>
+        </p:nvSpPr>
+        <p:spPr/>
+        <p:txBody>
+          <a:bodyPr/>
+          <a:lstStyle/>
+          <a:p>
+            <a:r>
+              <a:rPr lang="en-ID" dirty="0"/>
+              <a:t>final, finally and finalize</a:t>
+            </a:r>
+          </a:p>
+        </p:txBody>
+      </p:sp>
+      <p:sp>
+        <p:nvSpPr>
           <p:cNvPr id="4" name="Slide Number Placeholder 3">
             <a:extLst>
               <a:ext uri="{FF2B5EF4-FFF2-40B4-BE49-F238E27FC236}">
-                <a16:creationId xmlns:a16="http://schemas.microsoft.com/office/drawing/2014/main" id="{1D917FBD-8F02-4F84-B83E-CB15A021E041}"/>
+                <a16:creationId xmlns:a16="http://schemas.microsoft.com/office/drawing/2014/main" id="{916DB1F4-E56E-40F8-BE83-A77BD1B29ED2}"/>
               </a:ext>
             </a:extLst>
           </p:cNvPr>
@@ -20830,6 +20151,484 @@
             <a:fld id="{00000000-1234-1234-1234-123412341234}" type="slidenum">
               <a:rPr lang="en" smtClean="0"/>
               <a:t>44</a:t>
+            </a:fld>
+            <a:endParaRPr lang="en"/>
+          </a:p>
+        </p:txBody>
+      </p:sp>
+      <p:sp>
+        <p:nvSpPr>
+          <p:cNvPr id="5" name="Google Shape;224;p14">
+            <a:extLst>
+              <a:ext uri="{FF2B5EF4-FFF2-40B4-BE49-F238E27FC236}">
+                <a16:creationId xmlns:a16="http://schemas.microsoft.com/office/drawing/2014/main" id="{5FDF6675-7522-494F-BFC9-DCE4FBB03259}"/>
+              </a:ext>
+            </a:extLst>
+          </p:cNvPr>
+          <p:cNvSpPr txBox="1"/>
+          <p:nvPr/>
+        </p:nvSpPr>
+        <p:spPr>
+          <a:xfrm>
+            <a:off x="463525" y="0"/>
+            <a:ext cx="2181600" cy="3136200"/>
+          </a:xfrm>
+          <a:prstGeom prst="rect">
+            <a:avLst/>
+          </a:prstGeom>
+          <a:noFill/>
+          <a:ln>
+            <a:noFill/>
+          </a:ln>
+        </p:spPr>
+        <p:txBody>
+          <a:bodyPr spcFirstLastPara="1" wrap="square" lIns="91425" tIns="91425" rIns="91425" bIns="91425" anchor="b" anchorCtr="0">
+            <a:noAutofit/>
+          </a:bodyPr>
+          <a:lstStyle/>
+          <a:p>
+            <a:pPr marL="0" lvl="0" indent="0" algn="l" rtl="0">
+              <a:spcBef>
+                <a:spcPts val="0"/>
+              </a:spcBef>
+              <a:spcAft>
+                <a:spcPts val="0"/>
+              </a:spcAft>
+              <a:buNone/>
+            </a:pPr>
+            <a:r>
+              <a:rPr lang="en" sz="12000" b="1" dirty="0">
+                <a:solidFill>
+                  <a:srgbClr val="3F5378"/>
+                </a:solidFill>
+                <a:latin typeface="Roboto Condensed"/>
+                <a:ea typeface="Roboto Condensed"/>
+                <a:cs typeface="Roboto Condensed"/>
+                <a:sym typeface="Roboto Condensed"/>
+              </a:rPr>
+              <a:t>10</a:t>
+            </a:r>
+            <a:endParaRPr sz="3000" b="1" dirty="0">
+              <a:solidFill>
+                <a:srgbClr val="3F5378"/>
+              </a:solidFill>
+              <a:latin typeface="Roboto Condensed"/>
+              <a:ea typeface="Roboto Condensed"/>
+              <a:cs typeface="Roboto Condensed"/>
+              <a:sym typeface="Roboto Condensed"/>
+            </a:endParaRPr>
+          </a:p>
+        </p:txBody>
+      </p:sp>
+    </p:spTree>
+    <p:extLst>
+      <p:ext uri="{BB962C8B-B14F-4D97-AF65-F5344CB8AC3E}">
+        <p14:creationId xmlns:p14="http://schemas.microsoft.com/office/powerpoint/2010/main" val="2169580793"/>
+      </p:ext>
+    </p:extLst>
+  </p:cSld>
+  <p:clrMapOvr>
+    <a:masterClrMapping/>
+  </p:clrMapOvr>
+</p:sld>
+</file>
+
+<file path=ppt/slides/slide45.xml><?xml version="1.0" encoding="utf-8"?>
+<p:sld xmlns:a="http://schemas.openxmlformats.org/drawingml/2006/main" xmlns:r="http://schemas.openxmlformats.org/officeDocument/2006/relationships" xmlns:p="http://schemas.openxmlformats.org/presentationml/2006/main">
+  <p:cSld>
+    <p:spTree>
+      <p:nvGrpSpPr>
+        <p:cNvPr id="1" name=""/>
+        <p:cNvGrpSpPr/>
+        <p:nvPr/>
+      </p:nvGrpSpPr>
+      <p:grpSpPr>
+        <a:xfrm>
+          <a:off x="0" y="0"/>
+          <a:ext cx="0" cy="0"/>
+          <a:chOff x="0" y="0"/>
+          <a:chExt cx="0" cy="0"/>
+        </a:xfrm>
+      </p:grpSpPr>
+      <p:sp>
+        <p:nvSpPr>
+          <p:cNvPr id="4" name="Slide Number Placeholder 3">
+            <a:extLst>
+              <a:ext uri="{FF2B5EF4-FFF2-40B4-BE49-F238E27FC236}">
+                <a16:creationId xmlns:a16="http://schemas.microsoft.com/office/drawing/2014/main" id="{857048C7-6C8B-4F7F-8105-458CCD2E0131}"/>
+              </a:ext>
+            </a:extLst>
+          </p:cNvPr>
+          <p:cNvSpPr>
+            <a:spLocks noGrp="1"/>
+          </p:cNvSpPr>
+          <p:nvPr>
+            <p:ph type="sldNum" idx="12"/>
+          </p:nvPr>
+        </p:nvSpPr>
+        <p:spPr/>
+        <p:txBody>
+          <a:bodyPr/>
+          <a:lstStyle/>
+          <a:p>
+            <a:pPr marL="0" lvl="0" indent="0" algn="r" rtl="0">
+              <a:spcBef>
+                <a:spcPts val="0"/>
+              </a:spcBef>
+              <a:spcAft>
+                <a:spcPts val="0"/>
+              </a:spcAft>
+              <a:buNone/>
+            </a:pPr>
+            <a:fld id="{00000000-1234-1234-1234-123412341234}" type="slidenum">
+              <a:rPr lang="en" smtClean="0"/>
+              <a:t>45</a:t>
+            </a:fld>
+            <a:endParaRPr lang="en"/>
+          </a:p>
+        </p:txBody>
+      </p:sp>
+      <p:sp>
+        <p:nvSpPr>
+          <p:cNvPr id="6" name="Text Placeholder 5">
+            <a:extLst>
+              <a:ext uri="{FF2B5EF4-FFF2-40B4-BE49-F238E27FC236}">
+                <a16:creationId xmlns:a16="http://schemas.microsoft.com/office/drawing/2014/main" id="{1EEE501E-5E2E-47CE-BAC8-43666F254013}"/>
+              </a:ext>
+            </a:extLst>
+          </p:cNvPr>
+          <p:cNvSpPr>
+            <a:spLocks noGrp="1"/>
+          </p:cNvSpPr>
+          <p:nvPr>
+            <p:ph type="body" idx="1"/>
+          </p:nvPr>
+        </p:nvSpPr>
+        <p:spPr/>
+        <p:txBody>
+          <a:bodyPr/>
+          <a:lstStyle/>
+          <a:p>
+            <a:r>
+              <a:rPr lang="en-US" dirty="0"/>
+              <a:t>There are many differences between final, finally and finalize. A list of differences between final, finally and finalize are given below:</a:t>
+            </a:r>
+            <a:endParaRPr lang="en-ID" dirty="0"/>
+          </a:p>
+        </p:txBody>
+      </p:sp>
+      <p:sp>
+        <p:nvSpPr>
+          <p:cNvPr id="5" name="Title 4">
+            <a:extLst>
+              <a:ext uri="{FF2B5EF4-FFF2-40B4-BE49-F238E27FC236}">
+                <a16:creationId xmlns:a16="http://schemas.microsoft.com/office/drawing/2014/main" id="{0689C432-3C37-4243-BFAF-11B350D03C39}"/>
+              </a:ext>
+            </a:extLst>
+          </p:cNvPr>
+          <p:cNvSpPr>
+            <a:spLocks noGrp="1"/>
+          </p:cNvSpPr>
+          <p:nvPr>
+            <p:ph type="title"/>
+          </p:nvPr>
+        </p:nvSpPr>
+        <p:spPr/>
+        <p:txBody>
+          <a:bodyPr/>
+          <a:lstStyle/>
+          <a:p>
+            <a:r>
+              <a:rPr lang="en-US" dirty="0"/>
+              <a:t>Differences between final, finally and finalize</a:t>
+            </a:r>
+            <a:endParaRPr lang="en-ID" dirty="0"/>
+          </a:p>
+        </p:txBody>
+      </p:sp>
+      <p:pic>
+        <p:nvPicPr>
+          <p:cNvPr id="7" name="Picture 6">
+            <a:extLst>
+              <a:ext uri="{FF2B5EF4-FFF2-40B4-BE49-F238E27FC236}">
+                <a16:creationId xmlns:a16="http://schemas.microsoft.com/office/drawing/2014/main" id="{3182FD5C-0EDE-42A2-9CBC-7FED54F250E8}"/>
+              </a:ext>
+            </a:extLst>
+          </p:cNvPr>
+          <p:cNvPicPr>
+            <a:picLocks noChangeAspect="1"/>
+          </p:cNvPicPr>
+          <p:nvPr/>
+        </p:nvPicPr>
+        <p:blipFill>
+          <a:blip r:embed="rId2"/>
+          <a:stretch>
+            <a:fillRect/>
+          </a:stretch>
+        </p:blipFill>
+        <p:spPr>
+          <a:xfrm>
+            <a:off x="990600" y="1276350"/>
+            <a:ext cx="7467600" cy="1657350"/>
+          </a:xfrm>
+          <a:prstGeom prst="rect">
+            <a:avLst/>
+          </a:prstGeom>
+        </p:spPr>
+      </p:pic>
+    </p:spTree>
+    <p:extLst>
+      <p:ext uri="{BB962C8B-B14F-4D97-AF65-F5344CB8AC3E}">
+        <p14:creationId xmlns:p14="http://schemas.microsoft.com/office/powerpoint/2010/main" val="156935159"/>
+      </p:ext>
+    </p:extLst>
+  </p:cSld>
+  <p:clrMapOvr>
+    <a:masterClrMapping/>
+  </p:clrMapOvr>
+</p:sld>
+</file>
+
+<file path=ppt/slides/slide46.xml><?xml version="1.0" encoding="utf-8"?>
+<p:sld xmlns:a="http://schemas.openxmlformats.org/drawingml/2006/main" xmlns:r="http://schemas.openxmlformats.org/officeDocument/2006/relationships" xmlns:p="http://schemas.openxmlformats.org/presentationml/2006/main">
+  <p:cSld>
+    <p:spTree>
+      <p:nvGrpSpPr>
+        <p:cNvPr id="1" name=""/>
+        <p:cNvGrpSpPr/>
+        <p:nvPr/>
+      </p:nvGrpSpPr>
+      <p:grpSpPr>
+        <a:xfrm>
+          <a:off x="0" y="0"/>
+          <a:ext cx="0" cy="0"/>
+          <a:chOff x="0" y="0"/>
+          <a:chExt cx="0" cy="0"/>
+        </a:xfrm>
+      </p:grpSpPr>
+      <p:sp>
+        <p:nvSpPr>
+          <p:cNvPr id="2" name="Title 1">
+            <a:extLst>
+              <a:ext uri="{FF2B5EF4-FFF2-40B4-BE49-F238E27FC236}">
+                <a16:creationId xmlns:a16="http://schemas.microsoft.com/office/drawing/2014/main" id="{E1C4B97A-B25F-41FC-AB69-42B4BFB8A996}"/>
+              </a:ext>
+            </a:extLst>
+          </p:cNvPr>
+          <p:cNvSpPr>
+            <a:spLocks noGrp="1"/>
+          </p:cNvSpPr>
+          <p:nvPr>
+            <p:ph type="ctrTitle"/>
+          </p:nvPr>
+        </p:nvSpPr>
+        <p:spPr/>
+        <p:txBody>
+          <a:bodyPr/>
+          <a:lstStyle/>
+          <a:p>
+            <a:r>
+              <a:rPr lang="en-US" dirty="0"/>
+              <a:t>Day 04</a:t>
+            </a:r>
+            <a:endParaRPr lang="en-ID" dirty="0"/>
+          </a:p>
+        </p:txBody>
+      </p:sp>
+      <p:sp>
+        <p:nvSpPr>
+          <p:cNvPr id="3" name="Subtitle 2">
+            <a:extLst>
+              <a:ext uri="{FF2B5EF4-FFF2-40B4-BE49-F238E27FC236}">
+                <a16:creationId xmlns:a16="http://schemas.microsoft.com/office/drawing/2014/main" id="{B2DE4C9C-75AD-4D02-B515-6766EA1A235B}"/>
+              </a:ext>
+            </a:extLst>
+          </p:cNvPr>
+          <p:cNvSpPr>
+            <a:spLocks noGrp="1"/>
+          </p:cNvSpPr>
+          <p:nvPr>
+            <p:ph type="subTitle" idx="1"/>
+          </p:nvPr>
+        </p:nvSpPr>
+        <p:spPr/>
+        <p:txBody>
+          <a:bodyPr/>
+          <a:lstStyle/>
+          <a:p>
+            <a:r>
+              <a:rPr lang="en-US" dirty="0"/>
+              <a:t>Study Case</a:t>
+            </a:r>
+            <a:endParaRPr lang="en-ID" dirty="0"/>
+          </a:p>
+        </p:txBody>
+      </p:sp>
+      <p:sp>
+        <p:nvSpPr>
+          <p:cNvPr id="4" name="Slide Number Placeholder 3">
+            <a:extLst>
+              <a:ext uri="{FF2B5EF4-FFF2-40B4-BE49-F238E27FC236}">
+                <a16:creationId xmlns:a16="http://schemas.microsoft.com/office/drawing/2014/main" id="{916DB1F4-E56E-40F8-BE83-A77BD1B29ED2}"/>
+              </a:ext>
+            </a:extLst>
+          </p:cNvPr>
+          <p:cNvSpPr>
+            <a:spLocks noGrp="1"/>
+          </p:cNvSpPr>
+          <p:nvPr>
+            <p:ph type="sldNum" idx="12"/>
+          </p:nvPr>
+        </p:nvSpPr>
+        <p:spPr/>
+        <p:txBody>
+          <a:bodyPr/>
+          <a:lstStyle/>
+          <a:p>
+            <a:pPr marL="0" lvl="0" indent="0" algn="r" rtl="0">
+              <a:spcBef>
+                <a:spcPts val="0"/>
+              </a:spcBef>
+              <a:spcAft>
+                <a:spcPts val="0"/>
+              </a:spcAft>
+              <a:buNone/>
+            </a:pPr>
+            <a:fld id="{00000000-1234-1234-1234-123412341234}" type="slidenum">
+              <a:rPr lang="en" smtClean="0"/>
+              <a:t>46</a:t>
+            </a:fld>
+            <a:endParaRPr lang="en"/>
+          </a:p>
+        </p:txBody>
+      </p:sp>
+      <p:sp>
+        <p:nvSpPr>
+          <p:cNvPr id="5" name="Google Shape;224;p14">
+            <a:extLst>
+              <a:ext uri="{FF2B5EF4-FFF2-40B4-BE49-F238E27FC236}">
+                <a16:creationId xmlns:a16="http://schemas.microsoft.com/office/drawing/2014/main" id="{5FDF6675-7522-494F-BFC9-DCE4FBB03259}"/>
+              </a:ext>
+            </a:extLst>
+          </p:cNvPr>
+          <p:cNvSpPr txBox="1"/>
+          <p:nvPr/>
+        </p:nvSpPr>
+        <p:spPr>
+          <a:xfrm>
+            <a:off x="463525" y="0"/>
+            <a:ext cx="2181600" cy="3136200"/>
+          </a:xfrm>
+          <a:prstGeom prst="rect">
+            <a:avLst/>
+          </a:prstGeom>
+          <a:noFill/>
+          <a:ln>
+            <a:noFill/>
+          </a:ln>
+        </p:spPr>
+        <p:txBody>
+          <a:bodyPr spcFirstLastPara="1" wrap="square" lIns="91425" tIns="91425" rIns="91425" bIns="91425" anchor="b" anchorCtr="0">
+            <a:noAutofit/>
+          </a:bodyPr>
+          <a:lstStyle/>
+          <a:p>
+            <a:pPr marL="0" lvl="0" indent="0" algn="l" rtl="0">
+              <a:spcBef>
+                <a:spcPts val="0"/>
+              </a:spcBef>
+              <a:spcAft>
+                <a:spcPts val="0"/>
+              </a:spcAft>
+              <a:buNone/>
+            </a:pPr>
+            <a:r>
+              <a:rPr lang="en" sz="12000" b="1" dirty="0">
+                <a:solidFill>
+                  <a:srgbClr val="3F5378"/>
+                </a:solidFill>
+                <a:latin typeface="Roboto Condensed"/>
+                <a:ea typeface="Roboto Condensed"/>
+                <a:cs typeface="Roboto Condensed"/>
+                <a:sym typeface="Roboto Condensed"/>
+              </a:rPr>
+              <a:t>11</a:t>
+            </a:r>
+            <a:endParaRPr sz="3000" b="1" dirty="0">
+              <a:solidFill>
+                <a:srgbClr val="3F5378"/>
+              </a:solidFill>
+              <a:latin typeface="Roboto Condensed"/>
+              <a:ea typeface="Roboto Condensed"/>
+              <a:cs typeface="Roboto Condensed"/>
+              <a:sym typeface="Roboto Condensed"/>
+            </a:endParaRPr>
+          </a:p>
+        </p:txBody>
+      </p:sp>
+    </p:spTree>
+    <p:extLst>
+      <p:ext uri="{BB962C8B-B14F-4D97-AF65-F5344CB8AC3E}">
+        <p14:creationId xmlns:p14="http://schemas.microsoft.com/office/powerpoint/2010/main" val="1953334197"/>
+      </p:ext>
+    </p:extLst>
+  </p:cSld>
+  <p:clrMapOvr>
+    <a:masterClrMapping/>
+  </p:clrMapOvr>
+</p:sld>
+</file>
+
+<file path=ppt/slides/slide47.xml><?xml version="1.0" encoding="utf-8"?>
+<p:sld xmlns:a="http://schemas.openxmlformats.org/drawingml/2006/main" xmlns:r="http://schemas.openxmlformats.org/officeDocument/2006/relationships" xmlns:p="http://schemas.openxmlformats.org/presentationml/2006/main">
+  <p:cSld>
+    <p:spTree>
+      <p:nvGrpSpPr>
+        <p:cNvPr id="1" name=""/>
+        <p:cNvGrpSpPr/>
+        <p:nvPr/>
+      </p:nvGrpSpPr>
+      <p:grpSpPr>
+        <a:xfrm>
+          <a:off x="0" y="0"/>
+          <a:ext cx="0" cy="0"/>
+          <a:chOff x="0" y="0"/>
+          <a:chExt cx="0" cy="0"/>
+        </a:xfrm>
+      </p:grpSpPr>
+      <p:sp>
+        <p:nvSpPr>
+          <p:cNvPr id="4" name="Slide Number Placeholder 3">
+            <a:extLst>
+              <a:ext uri="{FF2B5EF4-FFF2-40B4-BE49-F238E27FC236}">
+                <a16:creationId xmlns:a16="http://schemas.microsoft.com/office/drawing/2014/main" id="{1D917FBD-8F02-4F84-B83E-CB15A021E041}"/>
+              </a:ext>
+            </a:extLst>
+          </p:cNvPr>
+          <p:cNvSpPr>
+            <a:spLocks noGrp="1"/>
+          </p:cNvSpPr>
+          <p:nvPr>
+            <p:ph type="sldNum" idx="12"/>
+          </p:nvPr>
+        </p:nvSpPr>
+        <p:spPr/>
+        <p:txBody>
+          <a:bodyPr/>
+          <a:lstStyle/>
+          <a:p>
+            <a:pPr marL="0" lvl="0" indent="0" algn="r" rtl="0">
+              <a:spcBef>
+                <a:spcPts val="0"/>
+              </a:spcBef>
+              <a:spcAft>
+                <a:spcPts val="0"/>
+              </a:spcAft>
+              <a:buNone/>
+            </a:pPr>
+            <a:fld id="{00000000-1234-1234-1234-123412341234}" type="slidenum">
+              <a:rPr lang="en" smtClean="0"/>
+              <a:t>47</a:t>
             </a:fld>
             <a:endParaRPr lang="en"/>
           </a:p>
@@ -21967,7 +21766,7 @@
 </p:sld>
 </file>
 
-<file path=ppt/slides/slide45.xml><?xml version="1.0" encoding="utf-8"?>
+<file path=ppt/slides/slide48.xml><?xml version="1.0" encoding="utf-8"?>
 <p:sld xmlns:a="http://schemas.openxmlformats.org/drawingml/2006/main" xmlns:r="http://schemas.openxmlformats.org/officeDocument/2006/relationships" xmlns:p="http://schemas.openxmlformats.org/presentationml/2006/main">
   <p:cSld>
     <p:spTree>
@@ -22016,7 +21815,7 @@
             </a:pPr>
             <a:fld id="{00000000-1234-1234-1234-123412341234}" type="slidenum">
               <a:rPr lang="en" smtClean="0"/>
-              <a:t>45</a:t>
+              <a:t>48</a:t>
             </a:fld>
             <a:endParaRPr lang="en"/>
           </a:p>
